--- a/Presentation1.pptx
+++ b/Presentation1.pptx
@@ -107,6 +107,11 @@
       </a:defRPr>
     </a:lvl9pPr>
   </p:defaultTextStyle>
+  <p:extLst>
+    <p:ext uri="{EFAFB233-063F-42B5-8137-9DF3F51BA10A}">
+      <p15:sldGuideLst xmlns:p15="http://schemas.microsoft.com/office/powerpoint/2012/main"/>
+    </p:ext>
+  </p:extLst>
 </p:presentation>
 </file>
 
@@ -259,7 +264,7 @@
           <a:p>
             <a:fld id="{D4A8E8D4-1BBF-4AEB-A9F4-BB790585A0F5}" type="datetimeFigureOut">
               <a:rPr lang="ar-SA" smtClean="0"/>
-              <a:t>21/04/43</a:t>
+              <a:t>23/04/43</a:t>
             </a:fld>
             <a:endParaRPr lang="ar-SA"/>
           </a:p>
@@ -459,7 +464,7 @@
           <a:p>
             <a:fld id="{D4A8E8D4-1BBF-4AEB-A9F4-BB790585A0F5}" type="datetimeFigureOut">
               <a:rPr lang="ar-SA" smtClean="0"/>
-              <a:t>21/04/43</a:t>
+              <a:t>23/04/43</a:t>
             </a:fld>
             <a:endParaRPr lang="ar-SA"/>
           </a:p>
@@ -669,7 +674,7 @@
           <a:p>
             <a:fld id="{D4A8E8D4-1BBF-4AEB-A9F4-BB790585A0F5}" type="datetimeFigureOut">
               <a:rPr lang="ar-SA" smtClean="0"/>
-              <a:t>21/04/43</a:t>
+              <a:t>23/04/43</a:t>
             </a:fld>
             <a:endParaRPr lang="ar-SA"/>
           </a:p>
@@ -869,7 +874,7 @@
           <a:p>
             <a:fld id="{D4A8E8D4-1BBF-4AEB-A9F4-BB790585A0F5}" type="datetimeFigureOut">
               <a:rPr lang="ar-SA" smtClean="0"/>
-              <a:t>21/04/43</a:t>
+              <a:t>23/04/43</a:t>
             </a:fld>
             <a:endParaRPr lang="ar-SA"/>
           </a:p>
@@ -1145,7 +1150,7 @@
           <a:p>
             <a:fld id="{D4A8E8D4-1BBF-4AEB-A9F4-BB790585A0F5}" type="datetimeFigureOut">
               <a:rPr lang="ar-SA" smtClean="0"/>
-              <a:t>21/04/43</a:t>
+              <a:t>23/04/43</a:t>
             </a:fld>
             <a:endParaRPr lang="ar-SA"/>
           </a:p>
@@ -1413,7 +1418,7 @@
           <a:p>
             <a:fld id="{D4A8E8D4-1BBF-4AEB-A9F4-BB790585A0F5}" type="datetimeFigureOut">
               <a:rPr lang="ar-SA" smtClean="0"/>
-              <a:t>21/04/43</a:t>
+              <a:t>23/04/43</a:t>
             </a:fld>
             <a:endParaRPr lang="ar-SA"/>
           </a:p>
@@ -1828,7 +1833,7 @@
           <a:p>
             <a:fld id="{D4A8E8D4-1BBF-4AEB-A9F4-BB790585A0F5}" type="datetimeFigureOut">
               <a:rPr lang="ar-SA" smtClean="0"/>
-              <a:t>21/04/43</a:t>
+              <a:t>23/04/43</a:t>
             </a:fld>
             <a:endParaRPr lang="ar-SA"/>
           </a:p>
@@ -1970,7 +1975,7 @@
           <a:p>
             <a:fld id="{D4A8E8D4-1BBF-4AEB-A9F4-BB790585A0F5}" type="datetimeFigureOut">
               <a:rPr lang="ar-SA" smtClean="0"/>
-              <a:t>21/04/43</a:t>
+              <a:t>23/04/43</a:t>
             </a:fld>
             <a:endParaRPr lang="ar-SA"/>
           </a:p>
@@ -2083,7 +2088,7 @@
           <a:p>
             <a:fld id="{D4A8E8D4-1BBF-4AEB-A9F4-BB790585A0F5}" type="datetimeFigureOut">
               <a:rPr lang="ar-SA" smtClean="0"/>
-              <a:t>21/04/43</a:t>
+              <a:t>23/04/43</a:t>
             </a:fld>
             <a:endParaRPr lang="ar-SA"/>
           </a:p>
@@ -2396,7 +2401,7 @@
           <a:p>
             <a:fld id="{D4A8E8D4-1BBF-4AEB-A9F4-BB790585A0F5}" type="datetimeFigureOut">
               <a:rPr lang="ar-SA" smtClean="0"/>
-              <a:t>21/04/43</a:t>
+              <a:t>23/04/43</a:t>
             </a:fld>
             <a:endParaRPr lang="ar-SA"/>
           </a:p>
@@ -2685,7 +2690,7 @@
           <a:p>
             <a:fld id="{D4A8E8D4-1BBF-4AEB-A9F4-BB790585A0F5}" type="datetimeFigureOut">
               <a:rPr lang="ar-SA" smtClean="0"/>
-              <a:t>21/04/43</a:t>
+              <a:t>23/04/43</a:t>
             </a:fld>
             <a:endParaRPr lang="ar-SA"/>
           </a:p>
@@ -2928,7 +2933,7 @@
           <a:p>
             <a:fld id="{D4A8E8D4-1BBF-4AEB-A9F4-BB790585A0F5}" type="datetimeFigureOut">
               <a:rPr lang="ar-SA" smtClean="0"/>
-              <a:t>21/04/43</a:t>
+              <a:t>23/04/43</a:t>
             </a:fld>
             <a:endParaRPr lang="ar-SA"/>
           </a:p>
@@ -6276,6 +6281,166 @@
           <a:chExt cx="0" cy="0"/>
         </a:xfrm>
       </p:grpSpPr>
+      <p:sp>
+        <p:nvSpPr>
+          <p:cNvPr id="140" name="Rectangle: Rounded Corners 139">
+            <a:extLst>
+              <a:ext uri="{FF2B5EF4-FFF2-40B4-BE49-F238E27FC236}">
+                <a16:creationId xmlns:a16="http://schemas.microsoft.com/office/drawing/2014/main" id="{E7AC9DDD-C446-49C6-963A-AB57F3E0F375}"/>
+              </a:ext>
+            </a:extLst>
+          </p:cNvPr>
+          <p:cNvSpPr/>
+          <p:nvPr/>
+        </p:nvSpPr>
+        <p:spPr>
+          <a:xfrm>
+            <a:off x="4088967" y="1462083"/>
+            <a:ext cx="3762787" cy="3481392"/>
+          </a:xfrm>
+          <a:prstGeom prst="roundRect">
+            <a:avLst/>
+          </a:prstGeom>
+          <a:solidFill>
+            <a:schemeClr val="accent1">
+              <a:lumMod val="20000"/>
+              <a:lumOff val="80000"/>
+            </a:schemeClr>
+          </a:solidFill>
+        </p:spPr>
+        <p:style>
+          <a:lnRef idx="2">
+            <a:schemeClr val="accent1">
+              <a:shade val="50000"/>
+            </a:schemeClr>
+          </a:lnRef>
+          <a:fillRef idx="1">
+            <a:schemeClr val="accent1"/>
+          </a:fillRef>
+          <a:effectRef idx="0">
+            <a:schemeClr val="accent1"/>
+          </a:effectRef>
+          <a:fontRef idx="minor">
+            <a:schemeClr val="lt1"/>
+          </a:fontRef>
+        </p:style>
+        <p:txBody>
+          <a:bodyPr rtlCol="1" anchor="ctr"/>
+          <a:lstStyle/>
+          <a:p>
+            <a:pPr algn="ctr"/>
+            <a:endParaRPr lang="ar-SA"/>
+          </a:p>
+        </p:txBody>
+      </p:sp>
+      <p:sp>
+        <p:nvSpPr>
+          <p:cNvPr id="92" name="Rectangle: Rounded Corners 91">
+            <a:extLst>
+              <a:ext uri="{FF2B5EF4-FFF2-40B4-BE49-F238E27FC236}">
+                <a16:creationId xmlns:a16="http://schemas.microsoft.com/office/drawing/2014/main" id="{B2413332-49A6-4553-B03E-9F9EA8526A3F}"/>
+              </a:ext>
+            </a:extLst>
+          </p:cNvPr>
+          <p:cNvSpPr/>
+          <p:nvPr/>
+        </p:nvSpPr>
+        <p:spPr>
+          <a:xfrm>
+            <a:off x="9725026" y="1092043"/>
+            <a:ext cx="2286000" cy="5076825"/>
+          </a:xfrm>
+          <a:prstGeom prst="roundRect">
+            <a:avLst/>
+          </a:prstGeom>
+          <a:solidFill>
+            <a:schemeClr val="accent5">
+              <a:lumMod val="20000"/>
+              <a:lumOff val="80000"/>
+            </a:schemeClr>
+          </a:solidFill>
+          <a:ln>
+            <a:headEnd type="none" w="med" len="med"/>
+            <a:tailEnd type="none" w="med" len="med"/>
+          </a:ln>
+        </p:spPr>
+        <p:style>
+          <a:lnRef idx="3">
+            <a:schemeClr val="lt1"/>
+          </a:lnRef>
+          <a:fillRef idx="1">
+            <a:schemeClr val="accent5"/>
+          </a:fillRef>
+          <a:effectRef idx="1">
+            <a:schemeClr val="accent5"/>
+          </a:effectRef>
+          <a:fontRef idx="minor">
+            <a:schemeClr val="lt1"/>
+          </a:fontRef>
+        </p:style>
+        <p:txBody>
+          <a:bodyPr rtlCol="1" anchor="ctr"/>
+          <a:lstStyle/>
+          <a:p>
+            <a:pPr algn="ctr"/>
+            <a:endParaRPr lang="ar-SA"/>
+          </a:p>
+        </p:txBody>
+      </p:sp>
+      <p:sp>
+        <p:nvSpPr>
+          <p:cNvPr id="49" name="Rectangle: Rounded Corners 48">
+            <a:extLst>
+              <a:ext uri="{FF2B5EF4-FFF2-40B4-BE49-F238E27FC236}">
+                <a16:creationId xmlns:a16="http://schemas.microsoft.com/office/drawing/2014/main" id="{9241441E-DB52-4BBB-BF43-5D4284CA85F5}"/>
+              </a:ext>
+            </a:extLst>
+          </p:cNvPr>
+          <p:cNvSpPr/>
+          <p:nvPr/>
+        </p:nvSpPr>
+        <p:spPr>
+          <a:xfrm>
+            <a:off x="180975" y="1038225"/>
+            <a:ext cx="2711883" cy="5076825"/>
+          </a:xfrm>
+          <a:prstGeom prst="roundRect">
+            <a:avLst/>
+          </a:prstGeom>
+          <a:solidFill>
+            <a:schemeClr val="accent5">
+              <a:lumMod val="20000"/>
+              <a:lumOff val="80000"/>
+            </a:schemeClr>
+          </a:solidFill>
+          <a:ln>
+            <a:headEnd type="none" w="med" len="med"/>
+            <a:tailEnd type="none" w="med" len="med"/>
+          </a:ln>
+        </p:spPr>
+        <p:style>
+          <a:lnRef idx="3">
+            <a:schemeClr val="lt1"/>
+          </a:lnRef>
+          <a:fillRef idx="1">
+            <a:schemeClr val="accent5"/>
+          </a:fillRef>
+          <a:effectRef idx="1">
+            <a:schemeClr val="accent5"/>
+          </a:effectRef>
+          <a:fontRef idx="minor">
+            <a:schemeClr val="lt1"/>
+          </a:fontRef>
+        </p:style>
+        <p:txBody>
+          <a:bodyPr rtlCol="1" anchor="ctr"/>
+          <a:lstStyle/>
+          <a:p>
+            <a:pPr algn="ctr"/>
+            <a:endParaRPr lang="ar-SA"/>
+          </a:p>
+        </p:txBody>
+      </p:sp>
       <p:pic>
         <p:nvPicPr>
           <p:cNvPr id="16" name="Picture 15">
@@ -6304,8 +6469,8 @@
         </p:blipFill>
         <p:spPr>
           <a:xfrm>
-            <a:off x="101950" y="3262308"/>
-            <a:ext cx="954736" cy="954736"/>
+            <a:off x="441631" y="1462083"/>
+            <a:ext cx="644542" cy="644542"/>
           </a:xfrm>
           <a:prstGeom prst="rect">
             <a:avLst/>
@@ -6326,76 +6491,12 @@
           </a:effectLst>
         </p:spPr>
       </p:pic>
-      <p:sp>
-        <p:nvSpPr>
-          <p:cNvPr id="20" name="Rectangle 19">
-            <a:extLst>
-              <a:ext uri="{FF2B5EF4-FFF2-40B4-BE49-F238E27FC236}">
-                <a16:creationId xmlns:a16="http://schemas.microsoft.com/office/drawing/2014/main" id="{E8B206A3-C884-4C4E-BC19-5A9C42C57395}"/>
-              </a:ext>
-            </a:extLst>
-          </p:cNvPr>
-          <p:cNvSpPr/>
-          <p:nvPr/>
-        </p:nvSpPr>
-        <p:spPr>
-          <a:xfrm>
-            <a:off x="84018" y="3459060"/>
-            <a:ext cx="990600" cy="447790"/>
-          </a:xfrm>
-          <a:prstGeom prst="rect">
-            <a:avLst/>
-          </a:prstGeom>
-          <a:noFill/>
-          <a:ln>
-            <a:noFill/>
-          </a:ln>
-        </p:spPr>
-        <p:style>
-          <a:lnRef idx="0">
-            <a:scrgbClr r="0" g="0" b="0"/>
-          </a:lnRef>
-          <a:fillRef idx="0">
-            <a:scrgbClr r="0" g="0" b="0"/>
-          </a:fillRef>
-          <a:effectRef idx="0">
-            <a:scrgbClr r="0" g="0" b="0"/>
-          </a:effectRef>
-          <a:fontRef idx="minor">
-            <a:schemeClr val="dk1"/>
-          </a:fontRef>
-        </p:style>
-        <p:txBody>
-          <a:bodyPr rtlCol="1" anchor="ctr"/>
-          <a:lstStyle/>
-          <a:p>
-            <a:pPr algn="ctr"/>
-            <a:r>
-              <a:rPr lang="en-US" dirty="0"/>
-              <a:t>A:</a:t>
-            </a:r>
-            <a:r>
-              <a:rPr lang="en-US" b="1" dirty="0">
-                <a:solidFill>
-                  <a:schemeClr val="accent6"/>
-                </a:solidFill>
-              </a:rPr>
-              <a:t>8</a:t>
-            </a:r>
-            <a:endParaRPr lang="ar-SA" b="1" dirty="0">
-              <a:solidFill>
-                <a:schemeClr val="accent6"/>
-              </a:solidFill>
-            </a:endParaRPr>
-          </a:p>
-        </p:txBody>
-      </p:sp>
       <p:pic>
         <p:nvPicPr>
-          <p:cNvPr id="29" name="Picture 28">
-            <a:extLst>
-              <a:ext uri="{FF2B5EF4-FFF2-40B4-BE49-F238E27FC236}">
-                <a16:creationId xmlns:a16="http://schemas.microsoft.com/office/drawing/2014/main" id="{7CC38D94-8B26-4941-8003-9304DA2512BF}"/>
+          <p:cNvPr id="33" name="Picture 32">
+            <a:extLst>
+              <a:ext uri="{FF2B5EF4-FFF2-40B4-BE49-F238E27FC236}">
+                <a16:creationId xmlns:a16="http://schemas.microsoft.com/office/drawing/2014/main" id="{F51B6D4D-D8B3-4516-B9CC-69B21B396D07}"/>
               </a:ext>
             </a:extLst>
           </p:cNvPr>
@@ -6418,8 +6519,8 @@
         </p:blipFill>
         <p:spPr>
           <a:xfrm>
-            <a:off x="6731256" y="2551234"/>
-            <a:ext cx="711464" cy="467068"/>
+            <a:off x="2298916" y="2913478"/>
+            <a:ext cx="480747" cy="315605"/>
           </a:xfrm>
           <a:prstGeom prst="rect">
             <a:avLst/>
@@ -6428,10 +6529,10 @@
       </p:pic>
       <p:pic>
         <p:nvPicPr>
-          <p:cNvPr id="30" name="Picture 29">
-            <a:extLst>
-              <a:ext uri="{FF2B5EF4-FFF2-40B4-BE49-F238E27FC236}">
-                <a16:creationId xmlns:a16="http://schemas.microsoft.com/office/drawing/2014/main" id="{C3239C85-213A-41EC-ACE0-DAB565955594}"/>
+          <p:cNvPr id="44" name="Picture 43">
+            <a:extLst>
+              <a:ext uri="{FF2B5EF4-FFF2-40B4-BE49-F238E27FC236}">
+                <a16:creationId xmlns:a16="http://schemas.microsoft.com/office/drawing/2014/main" id="{1E965B25-D514-4F63-B65B-444554030ACB}"/>
               </a:ext>
             </a:extLst>
           </p:cNvPr>
@@ -6441,7 +6542,7 @@
           <p:nvPr/>
         </p:nvPicPr>
         <p:blipFill>
-          <a:blip r:embed="rId3">
+          <a:blip r:embed="rId2">
             <a:extLst>
               <a:ext uri="{28A0092B-C50C-407E-A947-70E740481C1C}">
                 <a14:useLocalDpi xmlns:a14="http://schemas.microsoft.com/office/drawing/2010/main" val="0"/>
@@ -6454,476 +6555,8 @@
         </p:blipFill>
         <p:spPr>
           <a:xfrm>
-            <a:off x="3342971" y="2551234"/>
-            <a:ext cx="711464" cy="467068"/>
-          </a:xfrm>
-          <a:prstGeom prst="rect">
-            <a:avLst/>
-          </a:prstGeom>
-        </p:spPr>
-      </p:pic>
-      <p:pic>
-        <p:nvPicPr>
-          <p:cNvPr id="31" name="Picture 30">
-            <a:extLst>
-              <a:ext uri="{FF2B5EF4-FFF2-40B4-BE49-F238E27FC236}">
-                <a16:creationId xmlns:a16="http://schemas.microsoft.com/office/drawing/2014/main" id="{7806F962-453F-4BC2-A915-086E7D45D8B6}"/>
-              </a:ext>
-            </a:extLst>
-          </p:cNvPr>
-          <p:cNvPicPr>
-            <a:picLocks noChangeAspect="1"/>
-          </p:cNvPicPr>
-          <p:nvPr/>
-        </p:nvPicPr>
-        <p:blipFill>
-          <a:blip r:embed="rId3">
-            <a:extLst>
-              <a:ext uri="{28A0092B-C50C-407E-A947-70E740481C1C}">
-                <a14:useLocalDpi xmlns:a14="http://schemas.microsoft.com/office/drawing/2010/main" val="0"/>
-              </a:ext>
-            </a:extLst>
-          </a:blip>
-          <a:stretch>
-            <a:fillRect/>
-          </a:stretch>
-        </p:blipFill>
-        <p:spPr>
-          <a:xfrm>
-            <a:off x="6731256" y="4557109"/>
-            <a:ext cx="711464" cy="467068"/>
-          </a:xfrm>
-          <a:prstGeom prst="rect">
-            <a:avLst/>
-          </a:prstGeom>
-        </p:spPr>
-      </p:pic>
-      <p:pic>
-        <p:nvPicPr>
-          <p:cNvPr id="33" name="Picture 32">
-            <a:extLst>
-              <a:ext uri="{FF2B5EF4-FFF2-40B4-BE49-F238E27FC236}">
-                <a16:creationId xmlns:a16="http://schemas.microsoft.com/office/drawing/2014/main" id="{F51B6D4D-D8B3-4516-B9CC-69B21B396D07}"/>
-              </a:ext>
-            </a:extLst>
-          </p:cNvPr>
-          <p:cNvPicPr>
-            <a:picLocks noChangeAspect="1"/>
-          </p:cNvPicPr>
-          <p:nvPr/>
-        </p:nvPicPr>
-        <p:blipFill>
-          <a:blip r:embed="rId3">
-            <a:extLst>
-              <a:ext uri="{28A0092B-C50C-407E-A947-70E740481C1C}">
-                <a14:useLocalDpi xmlns:a14="http://schemas.microsoft.com/office/drawing/2010/main" val="0"/>
-              </a:ext>
-            </a:extLst>
-          </a:blip>
-          <a:stretch>
-            <a:fillRect/>
-          </a:stretch>
-        </p:blipFill>
-        <p:spPr>
-          <a:xfrm>
-            <a:off x="3337662" y="4557109"/>
-            <a:ext cx="711464" cy="467068"/>
-          </a:xfrm>
-          <a:prstGeom prst="rect">
-            <a:avLst/>
-          </a:prstGeom>
-        </p:spPr>
-      </p:pic>
-      <p:cxnSp>
-        <p:nvCxnSpPr>
-          <p:cNvPr id="47" name="Straight Connector 46">
-            <a:extLst>
-              <a:ext uri="{FF2B5EF4-FFF2-40B4-BE49-F238E27FC236}">
-                <a16:creationId xmlns:a16="http://schemas.microsoft.com/office/drawing/2014/main" id="{65C718B7-E01F-4BC1-9A6E-BAE022514F1D}"/>
-              </a:ext>
-            </a:extLst>
-          </p:cNvPr>
-          <p:cNvCxnSpPr>
-            <a:cxnSpLocks/>
-            <a:stCxn id="109" idx="1"/>
-            <a:endCxn id="112" idx="3"/>
-          </p:cNvCxnSpPr>
-          <p:nvPr/>
-        </p:nvCxnSpPr>
-        <p:spPr>
-          <a:xfrm flipH="1">
-            <a:off x="9696677" y="3643445"/>
-            <a:ext cx="1280131" cy="0"/>
-          </a:xfrm>
-          <a:prstGeom prst="line">
-            <a:avLst/>
-          </a:prstGeom>
-          <a:ln w="38100">
-            <a:solidFill>
-              <a:schemeClr val="tx1"/>
-            </a:solidFill>
-          </a:ln>
-        </p:spPr>
-        <p:style>
-          <a:lnRef idx="3">
-            <a:schemeClr val="dk1"/>
-          </a:lnRef>
-          <a:fillRef idx="0">
-            <a:schemeClr val="dk1"/>
-          </a:fillRef>
-          <a:effectRef idx="2">
-            <a:schemeClr val="dk1"/>
-          </a:effectRef>
-          <a:fontRef idx="minor">
-            <a:schemeClr val="tx1"/>
-          </a:fontRef>
-        </p:style>
-      </p:cxnSp>
-      <p:cxnSp>
-        <p:nvCxnSpPr>
-          <p:cNvPr id="54" name="Straight Connector 53">
-            <a:extLst>
-              <a:ext uri="{FF2B5EF4-FFF2-40B4-BE49-F238E27FC236}">
-                <a16:creationId xmlns:a16="http://schemas.microsoft.com/office/drawing/2014/main" id="{590CBBB0-8865-4035-87C5-A586D91CE063}"/>
-              </a:ext>
-            </a:extLst>
-          </p:cNvPr>
-          <p:cNvCxnSpPr>
-            <a:cxnSpLocks/>
-            <a:stCxn id="112" idx="1"/>
-            <a:endCxn id="29" idx="3"/>
-          </p:cNvCxnSpPr>
-          <p:nvPr/>
-        </p:nvCxnSpPr>
-        <p:spPr>
-          <a:xfrm flipH="1" flipV="1">
-            <a:off x="7442720" y="2784768"/>
-            <a:ext cx="1542493" cy="858677"/>
-          </a:xfrm>
-          <a:prstGeom prst="line">
-            <a:avLst/>
-          </a:prstGeom>
-          <a:ln w="38100">
-            <a:solidFill>
-              <a:schemeClr val="tx1"/>
-            </a:solidFill>
-          </a:ln>
-        </p:spPr>
-        <p:style>
-          <a:lnRef idx="3">
-            <a:schemeClr val="dk1"/>
-          </a:lnRef>
-          <a:fillRef idx="0">
-            <a:schemeClr val="dk1"/>
-          </a:fillRef>
-          <a:effectRef idx="2">
-            <a:schemeClr val="dk1"/>
-          </a:effectRef>
-          <a:fontRef idx="minor">
-            <a:schemeClr val="tx1"/>
-          </a:fontRef>
-        </p:style>
-      </p:cxnSp>
-      <p:cxnSp>
-        <p:nvCxnSpPr>
-          <p:cNvPr id="57" name="Straight Connector 56">
-            <a:extLst>
-              <a:ext uri="{FF2B5EF4-FFF2-40B4-BE49-F238E27FC236}">
-                <a16:creationId xmlns:a16="http://schemas.microsoft.com/office/drawing/2014/main" id="{6DB3E1F9-8DF6-4E53-A297-3B97D314A10E}"/>
-              </a:ext>
-            </a:extLst>
-          </p:cNvPr>
-          <p:cNvCxnSpPr>
-            <a:cxnSpLocks/>
-            <a:stCxn id="112" idx="1"/>
-            <a:endCxn id="31" idx="3"/>
-          </p:cNvCxnSpPr>
-          <p:nvPr/>
-        </p:nvCxnSpPr>
-        <p:spPr>
-          <a:xfrm flipH="1">
-            <a:off x="7442720" y="3643445"/>
-            <a:ext cx="1542493" cy="1147198"/>
-          </a:xfrm>
-          <a:prstGeom prst="line">
-            <a:avLst/>
-          </a:prstGeom>
-          <a:ln w="38100">
-            <a:solidFill>
-              <a:schemeClr val="tx1"/>
-            </a:solidFill>
-          </a:ln>
-        </p:spPr>
-        <p:style>
-          <a:lnRef idx="3">
-            <a:schemeClr val="dk1"/>
-          </a:lnRef>
-          <a:fillRef idx="0">
-            <a:schemeClr val="dk1"/>
-          </a:fillRef>
-          <a:effectRef idx="2">
-            <a:schemeClr val="dk1"/>
-          </a:effectRef>
-          <a:fontRef idx="minor">
-            <a:schemeClr val="tx1"/>
-          </a:fontRef>
-        </p:style>
-      </p:cxnSp>
-      <p:cxnSp>
-        <p:nvCxnSpPr>
-          <p:cNvPr id="63" name="Straight Connector 62">
-            <a:extLst>
-              <a:ext uri="{FF2B5EF4-FFF2-40B4-BE49-F238E27FC236}">
-                <a16:creationId xmlns:a16="http://schemas.microsoft.com/office/drawing/2014/main" id="{1F1D551A-7567-4A11-9A08-A732AD1B6CE3}"/>
-              </a:ext>
-            </a:extLst>
-          </p:cNvPr>
-          <p:cNvCxnSpPr>
-            <a:cxnSpLocks/>
-            <a:stCxn id="31" idx="1"/>
-            <a:endCxn id="33" idx="3"/>
-          </p:cNvCxnSpPr>
-          <p:nvPr/>
-        </p:nvCxnSpPr>
-        <p:spPr>
-          <a:xfrm flipH="1">
-            <a:off x="4049126" y="4790643"/>
-            <a:ext cx="2682130" cy="0"/>
-          </a:xfrm>
-          <a:prstGeom prst="line">
-            <a:avLst/>
-          </a:prstGeom>
-          <a:ln w="38100">
-            <a:solidFill>
-              <a:schemeClr val="tx1"/>
-            </a:solidFill>
-          </a:ln>
-        </p:spPr>
-        <p:style>
-          <a:lnRef idx="3">
-            <a:schemeClr val="dk1"/>
-          </a:lnRef>
-          <a:fillRef idx="0">
-            <a:schemeClr val="dk1"/>
-          </a:fillRef>
-          <a:effectRef idx="2">
-            <a:schemeClr val="dk1"/>
-          </a:effectRef>
-          <a:fontRef idx="minor">
-            <a:schemeClr val="tx1"/>
-          </a:fontRef>
-        </p:style>
-      </p:cxnSp>
-      <p:cxnSp>
-        <p:nvCxnSpPr>
-          <p:cNvPr id="65" name="Straight Connector 64">
-            <a:extLst>
-              <a:ext uri="{FF2B5EF4-FFF2-40B4-BE49-F238E27FC236}">
-                <a16:creationId xmlns:a16="http://schemas.microsoft.com/office/drawing/2014/main" id="{F5A392EF-3838-45D3-9861-7A12A24FB99E}"/>
-              </a:ext>
-            </a:extLst>
-          </p:cNvPr>
-          <p:cNvCxnSpPr>
-            <a:cxnSpLocks/>
-            <a:stCxn id="29" idx="1"/>
-            <a:endCxn id="30" idx="3"/>
-          </p:cNvCxnSpPr>
-          <p:nvPr/>
-        </p:nvCxnSpPr>
-        <p:spPr>
-          <a:xfrm flipH="1">
-            <a:off x="4054435" y="2784768"/>
-            <a:ext cx="2676821" cy="0"/>
-          </a:xfrm>
-          <a:prstGeom prst="line">
-            <a:avLst/>
-          </a:prstGeom>
-          <a:ln w="38100">
-            <a:solidFill>
-              <a:schemeClr val="tx1"/>
-            </a:solidFill>
-          </a:ln>
-        </p:spPr>
-        <p:style>
-          <a:lnRef idx="3">
-            <a:schemeClr val="dk1"/>
-          </a:lnRef>
-          <a:fillRef idx="0">
-            <a:schemeClr val="dk1"/>
-          </a:fillRef>
-          <a:effectRef idx="2">
-            <a:schemeClr val="dk1"/>
-          </a:effectRef>
-          <a:fontRef idx="minor">
-            <a:schemeClr val="tx1"/>
-          </a:fontRef>
-        </p:style>
-      </p:cxnSp>
-      <p:cxnSp>
-        <p:nvCxnSpPr>
-          <p:cNvPr id="82" name="Straight Connector 81">
-            <a:extLst>
-              <a:ext uri="{FF2B5EF4-FFF2-40B4-BE49-F238E27FC236}">
-                <a16:creationId xmlns:a16="http://schemas.microsoft.com/office/drawing/2014/main" id="{FC99DE99-E6B8-4E66-9444-CD18DBE617C2}"/>
-              </a:ext>
-            </a:extLst>
-          </p:cNvPr>
-          <p:cNvCxnSpPr>
-            <a:cxnSpLocks/>
-            <a:stCxn id="31" idx="0"/>
-            <a:endCxn id="29" idx="2"/>
-          </p:cNvCxnSpPr>
-          <p:nvPr/>
-        </p:nvCxnSpPr>
-        <p:spPr>
-          <a:xfrm flipV="1">
-            <a:off x="7086988" y="3018302"/>
-            <a:ext cx="0" cy="1538807"/>
-          </a:xfrm>
-          <a:prstGeom prst="line">
-            <a:avLst/>
-          </a:prstGeom>
-          <a:ln w="38100">
-            <a:solidFill>
-              <a:schemeClr val="tx1"/>
-            </a:solidFill>
-          </a:ln>
-        </p:spPr>
-        <p:style>
-          <a:lnRef idx="3">
-            <a:schemeClr val="dk1"/>
-          </a:lnRef>
-          <a:fillRef idx="0">
-            <a:schemeClr val="dk1"/>
-          </a:fillRef>
-          <a:effectRef idx="2">
-            <a:schemeClr val="dk1"/>
-          </a:effectRef>
-          <a:fontRef idx="minor">
-            <a:schemeClr val="tx1"/>
-          </a:fontRef>
-        </p:style>
-      </p:cxnSp>
-      <p:cxnSp>
-        <p:nvCxnSpPr>
-          <p:cNvPr id="85" name="Straight Connector 84">
-            <a:extLst>
-              <a:ext uri="{FF2B5EF4-FFF2-40B4-BE49-F238E27FC236}">
-                <a16:creationId xmlns:a16="http://schemas.microsoft.com/office/drawing/2014/main" id="{D9AE00AB-4D8B-4B40-BD7E-3E16A41966BB}"/>
-              </a:ext>
-            </a:extLst>
-          </p:cNvPr>
-          <p:cNvCxnSpPr>
-            <a:cxnSpLocks/>
-            <a:stCxn id="30" idx="1"/>
-            <a:endCxn id="16" idx="3"/>
-          </p:cNvCxnSpPr>
-          <p:nvPr/>
-        </p:nvCxnSpPr>
-        <p:spPr>
-          <a:xfrm flipH="1">
-            <a:off x="1056686" y="2784768"/>
-            <a:ext cx="2286285" cy="954908"/>
-          </a:xfrm>
-          <a:prstGeom prst="line">
-            <a:avLst/>
-          </a:prstGeom>
-          <a:ln w="38100">
-            <a:solidFill>
-              <a:schemeClr val="tx1"/>
-            </a:solidFill>
-          </a:ln>
-        </p:spPr>
-        <p:style>
-          <a:lnRef idx="3">
-            <a:schemeClr val="dk1"/>
-          </a:lnRef>
-          <a:fillRef idx="0">
-            <a:schemeClr val="dk1"/>
-          </a:fillRef>
-          <a:effectRef idx="2">
-            <a:schemeClr val="dk1"/>
-          </a:effectRef>
-          <a:fontRef idx="minor">
-            <a:schemeClr val="tx1"/>
-          </a:fontRef>
-        </p:style>
-      </p:cxnSp>
-      <p:cxnSp>
-        <p:nvCxnSpPr>
-          <p:cNvPr id="87" name="Straight Connector 86">
-            <a:extLst>
-              <a:ext uri="{FF2B5EF4-FFF2-40B4-BE49-F238E27FC236}">
-                <a16:creationId xmlns:a16="http://schemas.microsoft.com/office/drawing/2014/main" id="{F2A22F37-1673-481D-A3E2-C99BB6F25A8F}"/>
-              </a:ext>
-            </a:extLst>
-          </p:cNvPr>
-          <p:cNvCxnSpPr>
-            <a:cxnSpLocks/>
-            <a:stCxn id="33" idx="1"/>
-            <a:endCxn id="16" idx="3"/>
-          </p:cNvCxnSpPr>
-          <p:nvPr/>
-        </p:nvCxnSpPr>
-        <p:spPr>
-          <a:xfrm flipH="1" flipV="1">
-            <a:off x="1056686" y="3739676"/>
-            <a:ext cx="2280976" cy="1050967"/>
-          </a:xfrm>
-          <a:prstGeom prst="line">
-            <a:avLst/>
-          </a:prstGeom>
-          <a:ln w="38100">
-            <a:solidFill>
-              <a:schemeClr val="tx1"/>
-            </a:solidFill>
-          </a:ln>
-        </p:spPr>
-        <p:style>
-          <a:lnRef idx="3">
-            <a:schemeClr val="dk1"/>
-          </a:lnRef>
-          <a:fillRef idx="0">
-            <a:schemeClr val="dk1"/>
-          </a:fillRef>
-          <a:effectRef idx="2">
-            <a:schemeClr val="dk1"/>
-          </a:effectRef>
-          <a:fontRef idx="minor">
-            <a:schemeClr val="tx1"/>
-          </a:fontRef>
-        </p:style>
-      </p:cxnSp>
-      <p:pic>
-        <p:nvPicPr>
-          <p:cNvPr id="109" name="Picture 108">
-            <a:extLst>
-              <a:ext uri="{FF2B5EF4-FFF2-40B4-BE49-F238E27FC236}">
-                <a16:creationId xmlns:a16="http://schemas.microsoft.com/office/drawing/2014/main" id="{23F9473C-7220-4AEF-B9A5-63F0BE08C733}"/>
-              </a:ext>
-            </a:extLst>
-          </p:cNvPr>
-          <p:cNvPicPr>
-            <a:picLocks noChangeAspect="1"/>
-          </p:cNvPicPr>
-          <p:nvPr/>
-        </p:nvPicPr>
-        <p:blipFill>
-          <a:blip r:embed="rId2">
-            <a:extLst>
-              <a:ext uri="{28A0092B-C50C-407E-A947-70E740481C1C}">
-                <a14:useLocalDpi xmlns:a14="http://schemas.microsoft.com/office/drawing/2010/main" val="0"/>
-              </a:ext>
-            </a:extLst>
-          </a:blip>
-          <a:stretch>
-            <a:fillRect/>
-          </a:stretch>
-        </p:blipFill>
-        <p:spPr>
-          <a:xfrm>
-            <a:off x="10976808" y="3176358"/>
-            <a:ext cx="934174" cy="934174"/>
+            <a:off x="438977" y="5121415"/>
+            <a:ext cx="644542" cy="644542"/>
           </a:xfrm>
           <a:prstGeom prst="rect">
             <a:avLst/>
@@ -6946,10 +6579,10 @@
       </p:pic>
       <p:pic>
         <p:nvPicPr>
-          <p:cNvPr id="112" name="Picture 111">
-            <a:extLst>
-              <a:ext uri="{FF2B5EF4-FFF2-40B4-BE49-F238E27FC236}">
-                <a16:creationId xmlns:a16="http://schemas.microsoft.com/office/drawing/2014/main" id="{22C94391-6761-4859-83AE-07D0AF50FFBB}"/>
+          <p:cNvPr id="46" name="Picture 45">
+            <a:extLst>
+              <a:ext uri="{FF2B5EF4-FFF2-40B4-BE49-F238E27FC236}">
+                <a16:creationId xmlns:a16="http://schemas.microsoft.com/office/drawing/2014/main" id="{D403E989-C94C-4F5A-92DB-76958643F512}"/>
               </a:ext>
             </a:extLst>
           </p:cNvPr>
@@ -6959,7 +6592,7 @@
           <p:nvPr/>
         </p:nvPicPr>
         <p:blipFill>
-          <a:blip r:embed="rId3">
+          <a:blip r:embed="rId2">
             <a:extLst>
               <a:ext uri="{28A0092B-C50C-407E-A947-70E740481C1C}">
                 <a14:useLocalDpi xmlns:a14="http://schemas.microsoft.com/office/drawing/2010/main" val="0"/>
@@ -6972,347 +6605,102 @@
         </p:blipFill>
         <p:spPr>
           <a:xfrm>
-            <a:off x="8985213" y="3409911"/>
-            <a:ext cx="711464" cy="467068"/>
+            <a:off x="444073" y="3846901"/>
+            <a:ext cx="644542" cy="644542"/>
           </a:xfrm>
           <a:prstGeom prst="rect">
             <a:avLst/>
           </a:prstGeom>
+          <a:ln w="38100" cap="sq">
+            <a:solidFill>
+              <a:srgbClr val="000000"/>
+            </a:solidFill>
+            <a:prstDash val="solid"/>
+            <a:miter lim="800000"/>
+          </a:ln>
+          <a:effectLst>
+            <a:outerShdw blurRad="50800" dist="38100" dir="2700000" algn="tl" rotWithShape="0">
+              <a:srgbClr val="000000">
+                <a:alpha val="43000"/>
+              </a:srgbClr>
+            </a:outerShdw>
+          </a:effectLst>
         </p:spPr>
       </p:pic>
-      <p:sp>
-        <p:nvSpPr>
-          <p:cNvPr id="113" name="Rectangle 112">
-            <a:extLst>
-              <a:ext uri="{FF2B5EF4-FFF2-40B4-BE49-F238E27FC236}">
-                <a16:creationId xmlns:a16="http://schemas.microsoft.com/office/drawing/2014/main" id="{69C0A244-22F5-4759-BE2A-E43465783C5A}"/>
-              </a:ext>
-            </a:extLst>
-          </p:cNvPr>
-          <p:cNvSpPr/>
-          <p:nvPr/>
-        </p:nvSpPr>
-        <p:spPr>
-          <a:xfrm>
-            <a:off x="10870844" y="3244242"/>
-            <a:ext cx="1146103" cy="632737"/>
+      <p:pic>
+        <p:nvPicPr>
+          <p:cNvPr id="48" name="Picture 47">
+            <a:extLst>
+              <a:ext uri="{FF2B5EF4-FFF2-40B4-BE49-F238E27FC236}">
+                <a16:creationId xmlns:a16="http://schemas.microsoft.com/office/drawing/2014/main" id="{1AE98821-2C75-4561-88AD-E2C561A0D074}"/>
+              </a:ext>
+            </a:extLst>
+          </p:cNvPr>
+          <p:cNvPicPr>
+            <a:picLocks noChangeAspect="1"/>
+          </p:cNvPicPr>
+          <p:nvPr/>
+        </p:nvPicPr>
+        <p:blipFill>
+          <a:blip r:embed="rId2">
+            <a:extLst>
+              <a:ext uri="{28A0092B-C50C-407E-A947-70E740481C1C}">
+                <a14:useLocalDpi xmlns:a14="http://schemas.microsoft.com/office/drawing/2010/main" val="0"/>
+              </a:ext>
+            </a:extLst>
+          </a:blip>
+          <a:stretch>
+            <a:fillRect/>
+          </a:stretch>
+        </p:blipFill>
+        <p:spPr>
+          <a:xfrm>
+            <a:off x="438977" y="2659690"/>
+            <a:ext cx="644542" cy="644542"/>
           </a:xfrm>
           <a:prstGeom prst="rect">
             <a:avLst/>
           </a:prstGeom>
-          <a:noFill/>
-          <a:ln>
-            <a:noFill/>
+          <a:ln w="38100" cap="sq">
+            <a:solidFill>
+              <a:srgbClr val="000000"/>
+            </a:solidFill>
+            <a:prstDash val="solid"/>
+            <a:miter lim="800000"/>
           </a:ln>
-        </p:spPr>
-        <p:style>
-          <a:lnRef idx="0">
-            <a:scrgbClr r="0" g="0" b="0"/>
-          </a:lnRef>
-          <a:fillRef idx="0">
-            <a:scrgbClr r="0" g="0" b="0"/>
-          </a:fillRef>
-          <a:effectRef idx="0">
-            <a:scrgbClr r="0" g="0" b="0"/>
-          </a:effectRef>
-          <a:fontRef idx="minor">
-            <a:schemeClr val="dk1"/>
-          </a:fontRef>
-        </p:style>
-        <p:txBody>
-          <a:bodyPr rtlCol="1" anchor="ctr"/>
-          <a:lstStyle/>
-          <a:p>
-            <a:pPr algn="ctr"/>
-            <a:r>
-              <a:rPr lang="en-US" dirty="0"/>
-              <a:t>G:</a:t>
-            </a:r>
-            <a:r>
-              <a:rPr lang="en-US" dirty="0">
-                <a:solidFill>
-                  <a:schemeClr val="accent6"/>
-                </a:solidFill>
-              </a:rPr>
-              <a:t>0</a:t>
-            </a:r>
-            <a:endParaRPr lang="ar-SA" dirty="0">
-              <a:solidFill>
-                <a:schemeClr val="accent6"/>
-              </a:solidFill>
-            </a:endParaRPr>
-          </a:p>
-        </p:txBody>
-      </p:sp>
-      <p:sp>
-        <p:nvSpPr>
-          <p:cNvPr id="2" name="TextBox 1">
-            <a:extLst>
-              <a:ext uri="{FF2B5EF4-FFF2-40B4-BE49-F238E27FC236}">
-                <a16:creationId xmlns:a16="http://schemas.microsoft.com/office/drawing/2014/main" id="{18CEF965-2E69-426D-974E-E18DA513B005}"/>
-              </a:ext>
-            </a:extLst>
-          </p:cNvPr>
-          <p:cNvSpPr txBox="1"/>
-          <p:nvPr/>
-        </p:nvSpPr>
-        <p:spPr>
-          <a:xfrm>
-            <a:off x="3316179" y="2279637"/>
-            <a:ext cx="863114" cy="369332"/>
-          </a:xfrm>
-          <a:prstGeom prst="rect">
-            <a:avLst/>
-          </a:prstGeom>
-          <a:noFill/>
-        </p:spPr>
-        <p:txBody>
-          <a:bodyPr wrap="square" rtlCol="1">
-            <a:spAutoFit/>
-          </a:bodyPr>
-          <a:lstStyle/>
-          <a:p>
-            <a:r>
-              <a:rPr lang="en-US" dirty="0"/>
-              <a:t>R1:</a:t>
-            </a:r>
-            <a:r>
-              <a:rPr lang="en-US" b="1" dirty="0">
-                <a:solidFill>
-                  <a:schemeClr val="accent6"/>
-                </a:solidFill>
-              </a:rPr>
-              <a:t>4</a:t>
-            </a:r>
-            <a:endParaRPr lang="ar-SA" b="1" dirty="0">
-              <a:solidFill>
-                <a:schemeClr val="accent6"/>
-              </a:solidFill>
-            </a:endParaRPr>
-          </a:p>
-        </p:txBody>
-      </p:sp>
-      <p:sp>
-        <p:nvSpPr>
-          <p:cNvPr id="37" name="TextBox 36">
-            <a:extLst>
-              <a:ext uri="{FF2B5EF4-FFF2-40B4-BE49-F238E27FC236}">
-                <a16:creationId xmlns:a16="http://schemas.microsoft.com/office/drawing/2014/main" id="{6E41D221-2E05-43F9-A540-CA10B2CC6F61}"/>
-              </a:ext>
-            </a:extLst>
-          </p:cNvPr>
-          <p:cNvSpPr txBox="1"/>
-          <p:nvPr/>
-        </p:nvSpPr>
-        <p:spPr>
-          <a:xfrm>
-            <a:off x="6759955" y="2268351"/>
-            <a:ext cx="711464" cy="369332"/>
-          </a:xfrm>
-          <a:prstGeom prst="rect">
-            <a:avLst/>
-          </a:prstGeom>
-          <a:noFill/>
-        </p:spPr>
-        <p:txBody>
-          <a:bodyPr wrap="square" rtlCol="1">
-            <a:spAutoFit/>
-          </a:bodyPr>
-          <a:lstStyle/>
-          <a:p>
-            <a:r>
-              <a:rPr lang="en-US" dirty="0"/>
-              <a:t>R3:</a:t>
-            </a:r>
-            <a:r>
-              <a:rPr lang="en-US" b="1" dirty="0">
-                <a:solidFill>
-                  <a:schemeClr val="accent6"/>
-                </a:solidFill>
-              </a:rPr>
-              <a:t>6</a:t>
-            </a:r>
-            <a:endParaRPr lang="ar-SA" b="1" dirty="0">
-              <a:solidFill>
-                <a:schemeClr val="accent6"/>
-              </a:solidFill>
-            </a:endParaRPr>
-          </a:p>
-        </p:txBody>
-      </p:sp>
-      <p:sp>
-        <p:nvSpPr>
-          <p:cNvPr id="38" name="TextBox 37">
-            <a:extLst>
-              <a:ext uri="{FF2B5EF4-FFF2-40B4-BE49-F238E27FC236}">
-                <a16:creationId xmlns:a16="http://schemas.microsoft.com/office/drawing/2014/main" id="{8F9BF14B-2D71-4EE1-9516-F4ED9899AA7C}"/>
-              </a:ext>
-            </a:extLst>
-          </p:cNvPr>
-          <p:cNvSpPr txBox="1"/>
-          <p:nvPr/>
-        </p:nvSpPr>
-        <p:spPr>
-          <a:xfrm>
-            <a:off x="3316179" y="4915724"/>
-            <a:ext cx="781979" cy="369333"/>
-          </a:xfrm>
-          <a:prstGeom prst="rect">
-            <a:avLst/>
-          </a:prstGeom>
-          <a:noFill/>
-        </p:spPr>
-        <p:txBody>
-          <a:bodyPr wrap="square" rtlCol="1">
-            <a:spAutoFit/>
-          </a:bodyPr>
-          <a:lstStyle/>
-          <a:p>
-            <a:r>
-              <a:rPr lang="en-US" dirty="0"/>
-              <a:t>R2:</a:t>
-            </a:r>
-            <a:r>
-              <a:rPr lang="en-US" b="1" dirty="0">
-                <a:solidFill>
-                  <a:schemeClr val="accent6"/>
-                </a:solidFill>
-              </a:rPr>
-              <a:t>7</a:t>
-            </a:r>
-            <a:endParaRPr lang="ar-SA" b="1" dirty="0">
-              <a:solidFill>
-                <a:schemeClr val="accent6"/>
-              </a:solidFill>
-            </a:endParaRPr>
-          </a:p>
-        </p:txBody>
-      </p:sp>
-      <p:sp>
-        <p:nvSpPr>
-          <p:cNvPr id="41" name="TextBox 40">
-            <a:extLst>
-              <a:ext uri="{FF2B5EF4-FFF2-40B4-BE49-F238E27FC236}">
-                <a16:creationId xmlns:a16="http://schemas.microsoft.com/office/drawing/2014/main" id="{DD7027E3-36FB-4B97-9316-0FF9974337F5}"/>
-              </a:ext>
-            </a:extLst>
-          </p:cNvPr>
-          <p:cNvSpPr txBox="1"/>
-          <p:nvPr/>
-        </p:nvSpPr>
-        <p:spPr>
-          <a:xfrm>
-            <a:off x="6782545" y="4937728"/>
-            <a:ext cx="781969" cy="367375"/>
-          </a:xfrm>
-          <a:prstGeom prst="rect">
-            <a:avLst/>
-          </a:prstGeom>
-          <a:noFill/>
-        </p:spPr>
-        <p:txBody>
-          <a:bodyPr wrap="square" rtlCol="1">
-            <a:spAutoFit/>
-          </a:bodyPr>
-          <a:lstStyle/>
-          <a:p>
-            <a:r>
-              <a:rPr lang="en-US" dirty="0"/>
-              <a:t>R4:</a:t>
-            </a:r>
-            <a:r>
-              <a:rPr lang="en-US" b="1" dirty="0">
-                <a:solidFill>
-                  <a:schemeClr val="accent6"/>
-                </a:solidFill>
-              </a:rPr>
-              <a:t>3</a:t>
-            </a:r>
-            <a:endParaRPr lang="ar-SA" b="1" dirty="0">
-              <a:solidFill>
-                <a:schemeClr val="accent6"/>
-              </a:solidFill>
-            </a:endParaRPr>
-          </a:p>
-        </p:txBody>
-      </p:sp>
-      <p:sp>
-        <p:nvSpPr>
-          <p:cNvPr id="42" name="TextBox 41">
-            <a:extLst>
-              <a:ext uri="{FF2B5EF4-FFF2-40B4-BE49-F238E27FC236}">
-                <a16:creationId xmlns:a16="http://schemas.microsoft.com/office/drawing/2014/main" id="{1C9BA612-F075-4D3C-AB68-B14C3141BF70}"/>
-              </a:ext>
-            </a:extLst>
-          </p:cNvPr>
-          <p:cNvSpPr txBox="1"/>
-          <p:nvPr/>
-        </p:nvSpPr>
-        <p:spPr>
-          <a:xfrm>
-            <a:off x="9038196" y="3149241"/>
-            <a:ext cx="711464" cy="369332"/>
-          </a:xfrm>
-          <a:prstGeom prst="rect">
-            <a:avLst/>
-          </a:prstGeom>
-          <a:noFill/>
-        </p:spPr>
-        <p:txBody>
-          <a:bodyPr wrap="square" rtlCol="1">
-            <a:spAutoFit/>
-          </a:bodyPr>
-          <a:lstStyle/>
-          <a:p>
-            <a:r>
-              <a:rPr lang="en-US" dirty="0"/>
-              <a:t>R5:</a:t>
-            </a:r>
-            <a:r>
-              <a:rPr lang="en-US" b="1" dirty="0">
-                <a:solidFill>
-                  <a:schemeClr val="accent6"/>
-                </a:solidFill>
-              </a:rPr>
-              <a:t>2</a:t>
-            </a:r>
-            <a:endParaRPr lang="ar-SA" b="1" dirty="0">
-              <a:solidFill>
-                <a:schemeClr val="accent6"/>
-              </a:solidFill>
-            </a:endParaRPr>
-          </a:p>
-        </p:txBody>
-      </p:sp>
+          <a:effectLst>
+            <a:outerShdw blurRad="50800" dist="38100" dir="2700000" algn="tl" rotWithShape="0">
+              <a:srgbClr val="000000">
+                <a:alpha val="43000"/>
+              </a:srgbClr>
+            </a:outerShdw>
+          </a:effectLst>
+        </p:spPr>
+      </p:pic>
       <p:cxnSp>
         <p:nvCxnSpPr>
-          <p:cNvPr id="43" name="Straight Connector 42">
-            <a:extLst>
-              <a:ext uri="{FF2B5EF4-FFF2-40B4-BE49-F238E27FC236}">
-                <a16:creationId xmlns:a16="http://schemas.microsoft.com/office/drawing/2014/main" id="{3C97C45D-3E8E-47F0-9255-E9A7DB256838}"/>
+          <p:cNvPr id="12" name="Straight Connector 11">
+            <a:extLst>
+              <a:ext uri="{FF2B5EF4-FFF2-40B4-BE49-F238E27FC236}">
+                <a16:creationId xmlns:a16="http://schemas.microsoft.com/office/drawing/2014/main" id="{B4AB6E8A-6E15-4013-BABA-5388838F832E}"/>
               </a:ext>
             </a:extLst>
           </p:cNvPr>
           <p:cNvCxnSpPr>
             <a:cxnSpLocks/>
-            <a:stCxn id="30" idx="2"/>
-            <a:endCxn id="33" idx="0"/>
+            <a:stCxn id="16" idx="3"/>
+            <a:endCxn id="33" idx="1"/>
           </p:cNvCxnSpPr>
           <p:nvPr/>
         </p:nvCxnSpPr>
         <p:spPr>
-          <a:xfrm flipH="1">
-            <a:off x="3693394" y="3018302"/>
-            <a:ext cx="5309" cy="1538807"/>
+          <a:xfrm>
+            <a:off x="1086173" y="1784354"/>
+            <a:ext cx="1212743" cy="1286927"/>
           </a:xfrm>
           <a:prstGeom prst="line">
             <a:avLst/>
           </a:prstGeom>
-          <a:ln w="38100">
-            <a:solidFill>
-              <a:schemeClr val="tx1"/>
-            </a:solidFill>
-          </a:ln>
         </p:spPr>
         <p:style>
           <a:lnRef idx="3">
@@ -7331,31 +6719,28 @@
       </p:cxnSp>
       <p:cxnSp>
         <p:nvCxnSpPr>
-          <p:cNvPr id="45" name="Straight Connector 44">
-            <a:extLst>
-              <a:ext uri="{FF2B5EF4-FFF2-40B4-BE49-F238E27FC236}">
-                <a16:creationId xmlns:a16="http://schemas.microsoft.com/office/drawing/2014/main" id="{B410FD0D-C304-4C55-8F83-4AADB0B0C996}"/>
+          <p:cNvPr id="15" name="Straight Connector 14">
+            <a:extLst>
+              <a:ext uri="{FF2B5EF4-FFF2-40B4-BE49-F238E27FC236}">
+                <a16:creationId xmlns:a16="http://schemas.microsoft.com/office/drawing/2014/main" id="{64D3AFC6-F677-4DF4-B589-2725A09275DF}"/>
               </a:ext>
             </a:extLst>
           </p:cNvPr>
           <p:cNvCxnSpPr>
             <a:cxnSpLocks/>
+            <a:stCxn id="48" idx="3"/>
+            <a:endCxn id="33" idx="1"/>
           </p:cNvCxnSpPr>
           <p:nvPr/>
         </p:nvCxnSpPr>
         <p:spPr>
           <a:xfrm>
-            <a:off x="3985993" y="2956701"/>
-            <a:ext cx="2889517" cy="1698143"/>
+            <a:off x="1083519" y="2981961"/>
+            <a:ext cx="1215397" cy="89320"/>
           </a:xfrm>
           <a:prstGeom prst="line">
             <a:avLst/>
           </a:prstGeom>
-          <a:ln w="38100">
-            <a:solidFill>
-              <a:schemeClr val="tx1"/>
-            </a:solidFill>
-          </a:ln>
         </p:spPr>
         <p:style>
           <a:lnRef idx="3">
@@ -7374,31 +6759,1027 @@
       </p:cxnSp>
       <p:cxnSp>
         <p:nvCxnSpPr>
-          <p:cNvPr id="50" name="Straight Connector 49">
-            <a:extLst>
-              <a:ext uri="{FF2B5EF4-FFF2-40B4-BE49-F238E27FC236}">
-                <a16:creationId xmlns:a16="http://schemas.microsoft.com/office/drawing/2014/main" id="{7602ECCE-E518-4DE9-A3E0-6ADB22825F81}"/>
+          <p:cNvPr id="19" name="Straight Connector 18">
+            <a:extLst>
+              <a:ext uri="{FF2B5EF4-FFF2-40B4-BE49-F238E27FC236}">
+                <a16:creationId xmlns:a16="http://schemas.microsoft.com/office/drawing/2014/main" id="{A6E2CC21-9218-416B-A32D-316F7F5223F4}"/>
               </a:ext>
             </a:extLst>
           </p:cNvPr>
           <p:cNvCxnSpPr>
             <a:cxnSpLocks/>
+            <a:stCxn id="46" idx="3"/>
+            <a:endCxn id="33" idx="1"/>
           </p:cNvCxnSpPr>
           <p:nvPr/>
         </p:nvCxnSpPr>
         <p:spPr>
+          <a:xfrm flipV="1">
+            <a:off x="1088615" y="3071281"/>
+            <a:ext cx="1210301" cy="1097891"/>
+          </a:xfrm>
+          <a:prstGeom prst="line">
+            <a:avLst/>
+          </a:prstGeom>
+        </p:spPr>
+        <p:style>
+          <a:lnRef idx="3">
+            <a:schemeClr val="dk1"/>
+          </a:lnRef>
+          <a:fillRef idx="0">
+            <a:schemeClr val="dk1"/>
+          </a:fillRef>
+          <a:effectRef idx="2">
+            <a:schemeClr val="dk1"/>
+          </a:effectRef>
+          <a:fontRef idx="minor">
+            <a:schemeClr val="tx1"/>
+          </a:fontRef>
+        </p:style>
+      </p:cxnSp>
+      <p:cxnSp>
+        <p:nvCxnSpPr>
+          <p:cNvPr id="27" name="Straight Connector 26">
+            <a:extLst>
+              <a:ext uri="{FF2B5EF4-FFF2-40B4-BE49-F238E27FC236}">
+                <a16:creationId xmlns:a16="http://schemas.microsoft.com/office/drawing/2014/main" id="{77959B10-937A-49AB-8E58-7DBE4829D08A}"/>
+              </a:ext>
+            </a:extLst>
+          </p:cNvPr>
+          <p:cNvCxnSpPr>
+            <a:cxnSpLocks/>
+            <a:stCxn id="44" idx="3"/>
+            <a:endCxn id="33" idx="1"/>
+          </p:cNvCxnSpPr>
+          <p:nvPr/>
+        </p:nvCxnSpPr>
+        <p:spPr>
+          <a:xfrm flipV="1">
+            <a:off x="1083519" y="3071281"/>
+            <a:ext cx="1215397" cy="2372405"/>
+          </a:xfrm>
+          <a:prstGeom prst="line">
+            <a:avLst/>
+          </a:prstGeom>
+        </p:spPr>
+        <p:style>
+          <a:lnRef idx="3">
+            <a:schemeClr val="dk1"/>
+          </a:lnRef>
+          <a:fillRef idx="0">
+            <a:schemeClr val="dk1"/>
+          </a:fillRef>
+          <a:effectRef idx="2">
+            <a:schemeClr val="dk1"/>
+          </a:effectRef>
+          <a:fontRef idx="minor">
+            <a:schemeClr val="tx1"/>
+          </a:fontRef>
+        </p:style>
+      </p:cxnSp>
+      <p:pic>
+        <p:nvPicPr>
+          <p:cNvPr id="70" name="Picture 69">
+            <a:extLst>
+              <a:ext uri="{FF2B5EF4-FFF2-40B4-BE49-F238E27FC236}">
+                <a16:creationId xmlns:a16="http://schemas.microsoft.com/office/drawing/2014/main" id="{D496EF6B-9BF0-4012-B8AC-91CED323C3F8}"/>
+              </a:ext>
+            </a:extLst>
+          </p:cNvPr>
+          <p:cNvPicPr>
+            <a:picLocks noChangeAspect="1"/>
+          </p:cNvPicPr>
+          <p:nvPr/>
+        </p:nvPicPr>
+        <p:blipFill>
+          <a:blip r:embed="rId3">
+            <a:extLst>
+              <a:ext uri="{28A0092B-C50C-407E-A947-70E740481C1C}">
+                <a14:useLocalDpi xmlns:a14="http://schemas.microsoft.com/office/drawing/2010/main" val="0"/>
+              </a:ext>
+            </a:extLst>
+          </a:blip>
+          <a:stretch>
+            <a:fillRect/>
+          </a:stretch>
+        </p:blipFill>
+        <p:spPr>
+          <a:xfrm>
+            <a:off x="6941897" y="4011368"/>
+            <a:ext cx="480747" cy="315605"/>
+          </a:xfrm>
+          <a:prstGeom prst="rect">
+            <a:avLst/>
+          </a:prstGeom>
+        </p:spPr>
+      </p:pic>
+      <p:pic>
+        <p:nvPicPr>
+          <p:cNvPr id="71" name="Picture 70">
+            <a:extLst>
+              <a:ext uri="{FF2B5EF4-FFF2-40B4-BE49-F238E27FC236}">
+                <a16:creationId xmlns:a16="http://schemas.microsoft.com/office/drawing/2014/main" id="{111D71D7-21B7-4C6E-9CE8-AACE636D8A8A}"/>
+              </a:ext>
+            </a:extLst>
+          </p:cNvPr>
+          <p:cNvPicPr>
+            <a:picLocks noChangeAspect="1"/>
+          </p:cNvPicPr>
+          <p:nvPr/>
+        </p:nvPicPr>
+        <p:blipFill>
+          <a:blip r:embed="rId3">
+            <a:extLst>
+              <a:ext uri="{28A0092B-C50C-407E-A947-70E740481C1C}">
+                <a14:useLocalDpi xmlns:a14="http://schemas.microsoft.com/office/drawing/2010/main" val="0"/>
+              </a:ext>
+            </a:extLst>
+          </a:blip>
+          <a:stretch>
+            <a:fillRect/>
+          </a:stretch>
+        </p:blipFill>
+        <p:spPr>
+          <a:xfrm>
+            <a:off x="6941897" y="1948821"/>
+            <a:ext cx="480747" cy="315605"/>
+          </a:xfrm>
+          <a:prstGeom prst="rect">
+            <a:avLst/>
+          </a:prstGeom>
+        </p:spPr>
+      </p:pic>
+      <p:pic>
+        <p:nvPicPr>
+          <p:cNvPr id="72" name="Picture 71">
+            <a:extLst>
+              <a:ext uri="{FF2B5EF4-FFF2-40B4-BE49-F238E27FC236}">
+                <a16:creationId xmlns:a16="http://schemas.microsoft.com/office/drawing/2014/main" id="{70C8EBAD-881C-4F60-8C5A-C8CE6E3AC8CA}"/>
+              </a:ext>
+            </a:extLst>
+          </p:cNvPr>
+          <p:cNvPicPr>
+            <a:picLocks noChangeAspect="1"/>
+          </p:cNvPicPr>
+          <p:nvPr/>
+        </p:nvPicPr>
+        <p:blipFill>
+          <a:blip r:embed="rId3">
+            <a:extLst>
+              <a:ext uri="{28A0092B-C50C-407E-A947-70E740481C1C}">
+                <a14:useLocalDpi xmlns:a14="http://schemas.microsoft.com/office/drawing/2010/main" val="0"/>
+              </a:ext>
+            </a:extLst>
+          </a:blip>
+          <a:stretch>
+            <a:fillRect/>
+          </a:stretch>
+        </p:blipFill>
+        <p:spPr>
+          <a:xfrm>
+            <a:off x="4566589" y="4011368"/>
+            <a:ext cx="480747" cy="315605"/>
+          </a:xfrm>
+          <a:prstGeom prst="rect">
+            <a:avLst/>
+          </a:prstGeom>
+        </p:spPr>
+      </p:pic>
+      <p:pic>
+        <p:nvPicPr>
+          <p:cNvPr id="73" name="Picture 72">
+            <a:extLst>
+              <a:ext uri="{FF2B5EF4-FFF2-40B4-BE49-F238E27FC236}">
+                <a16:creationId xmlns:a16="http://schemas.microsoft.com/office/drawing/2014/main" id="{300C092B-F539-462B-93D4-1479A53141D1}"/>
+              </a:ext>
+            </a:extLst>
+          </p:cNvPr>
+          <p:cNvPicPr>
+            <a:picLocks noChangeAspect="1"/>
+          </p:cNvPicPr>
+          <p:nvPr/>
+        </p:nvPicPr>
+        <p:blipFill>
+          <a:blip r:embed="rId3">
+            <a:extLst>
+              <a:ext uri="{28A0092B-C50C-407E-A947-70E740481C1C}">
+                <a14:useLocalDpi xmlns:a14="http://schemas.microsoft.com/office/drawing/2010/main" val="0"/>
+              </a:ext>
+            </a:extLst>
+          </a:blip>
+          <a:stretch>
+            <a:fillRect/>
+          </a:stretch>
+        </p:blipFill>
+        <p:spPr>
+          <a:xfrm>
+            <a:off x="4566589" y="1948821"/>
+            <a:ext cx="480747" cy="315605"/>
+          </a:xfrm>
+          <a:prstGeom prst="rect">
+            <a:avLst/>
+          </a:prstGeom>
+        </p:spPr>
+      </p:pic>
+      <p:sp>
+        <p:nvSpPr>
+          <p:cNvPr id="51" name="TextBox 50">
+            <a:extLst>
+              <a:ext uri="{FF2B5EF4-FFF2-40B4-BE49-F238E27FC236}">
+                <a16:creationId xmlns:a16="http://schemas.microsoft.com/office/drawing/2014/main" id="{E13A945F-78B9-4D6E-A4EB-28B675DB70DF}"/>
+              </a:ext>
+            </a:extLst>
+          </p:cNvPr>
+          <p:cNvSpPr txBox="1"/>
+          <p:nvPr/>
+        </p:nvSpPr>
+        <p:spPr>
+          <a:xfrm>
+            <a:off x="774916" y="655083"/>
+            <a:ext cx="1524000" cy="369332"/>
+          </a:xfrm>
+          <a:prstGeom prst="rect">
+            <a:avLst/>
+          </a:prstGeom>
+          <a:noFill/>
+        </p:spPr>
+        <p:txBody>
+          <a:bodyPr wrap="square" rtlCol="1">
+            <a:spAutoFit/>
+          </a:bodyPr>
+          <a:lstStyle/>
+          <a:p>
+            <a:r>
+              <a:rPr lang="en-US" dirty="0"/>
+              <a:t>Network Edge</a:t>
+            </a:r>
+            <a:endParaRPr lang="ar-SA" dirty="0"/>
+          </a:p>
+        </p:txBody>
+      </p:sp>
+      <p:pic>
+        <p:nvPicPr>
+          <p:cNvPr id="80" name="Picture 79">
+            <a:extLst>
+              <a:ext uri="{FF2B5EF4-FFF2-40B4-BE49-F238E27FC236}">
+                <a16:creationId xmlns:a16="http://schemas.microsoft.com/office/drawing/2014/main" id="{486B5A16-65EA-4B6D-AAEF-ABF4B428613B}"/>
+              </a:ext>
+            </a:extLst>
+          </p:cNvPr>
+          <p:cNvPicPr>
+            <a:picLocks noChangeAspect="1"/>
+          </p:cNvPicPr>
+          <p:nvPr/>
+        </p:nvPicPr>
+        <p:blipFill>
+          <a:blip r:embed="rId2">
+            <a:extLst>
+              <a:ext uri="{28A0092B-C50C-407E-A947-70E740481C1C}">
+                <a14:useLocalDpi xmlns:a14="http://schemas.microsoft.com/office/drawing/2010/main" val="0"/>
+              </a:ext>
+            </a:extLst>
+          </a:blip>
+          <a:stretch>
+            <a:fillRect/>
+          </a:stretch>
+        </p:blipFill>
+        <p:spPr>
+          <a:xfrm>
+            <a:off x="11078004" y="5121415"/>
+            <a:ext cx="644542" cy="644542"/>
+          </a:xfrm>
+          <a:prstGeom prst="rect">
+            <a:avLst/>
+          </a:prstGeom>
+          <a:ln w="38100" cap="sq">
+            <a:solidFill>
+              <a:srgbClr val="000000"/>
+            </a:solidFill>
+            <a:prstDash val="solid"/>
+            <a:miter lim="800000"/>
+          </a:ln>
+          <a:effectLst>
+            <a:outerShdw blurRad="50800" dist="38100" dir="2700000" algn="tl" rotWithShape="0">
+              <a:srgbClr val="000000">
+                <a:alpha val="43000"/>
+              </a:srgbClr>
+            </a:outerShdw>
+          </a:effectLst>
+        </p:spPr>
+      </p:pic>
+      <p:pic>
+        <p:nvPicPr>
+          <p:cNvPr id="81" name="Picture 80">
+            <a:extLst>
+              <a:ext uri="{FF2B5EF4-FFF2-40B4-BE49-F238E27FC236}">
+                <a16:creationId xmlns:a16="http://schemas.microsoft.com/office/drawing/2014/main" id="{B04926C5-096B-4550-9E9F-E032C1EA4945}"/>
+              </a:ext>
+            </a:extLst>
+          </p:cNvPr>
+          <p:cNvPicPr>
+            <a:picLocks noChangeAspect="1"/>
+          </p:cNvPicPr>
+          <p:nvPr/>
+        </p:nvPicPr>
+        <p:blipFill>
+          <a:blip r:embed="rId2">
+            <a:extLst>
+              <a:ext uri="{28A0092B-C50C-407E-A947-70E740481C1C}">
+                <a14:useLocalDpi xmlns:a14="http://schemas.microsoft.com/office/drawing/2010/main" val="0"/>
+              </a:ext>
+            </a:extLst>
+          </a:blip>
+          <a:stretch>
+            <a:fillRect/>
+          </a:stretch>
+        </p:blipFill>
+        <p:spPr>
+          <a:xfrm>
+            <a:off x="11075970" y="3846899"/>
+            <a:ext cx="644542" cy="644542"/>
+          </a:xfrm>
+          <a:prstGeom prst="rect">
+            <a:avLst/>
+          </a:prstGeom>
+          <a:ln w="38100" cap="sq">
+            <a:solidFill>
+              <a:srgbClr val="000000"/>
+            </a:solidFill>
+            <a:prstDash val="solid"/>
+            <a:miter lim="800000"/>
+          </a:ln>
+          <a:effectLst>
+            <a:outerShdw blurRad="50800" dist="38100" dir="2700000" algn="tl" rotWithShape="0">
+              <a:srgbClr val="000000">
+                <a:alpha val="43000"/>
+              </a:srgbClr>
+            </a:outerShdw>
+          </a:effectLst>
+        </p:spPr>
+      </p:pic>
+      <p:pic>
+        <p:nvPicPr>
+          <p:cNvPr id="90" name="Picture 89">
+            <a:extLst>
+              <a:ext uri="{FF2B5EF4-FFF2-40B4-BE49-F238E27FC236}">
+                <a16:creationId xmlns:a16="http://schemas.microsoft.com/office/drawing/2014/main" id="{525DABBF-5B78-4397-B507-E73E55EC624F}"/>
+              </a:ext>
+            </a:extLst>
+          </p:cNvPr>
+          <p:cNvPicPr>
+            <a:picLocks noChangeAspect="1"/>
+          </p:cNvPicPr>
+          <p:nvPr/>
+        </p:nvPicPr>
+        <p:blipFill>
+          <a:blip r:embed="rId2">
+            <a:extLst>
+              <a:ext uri="{28A0092B-C50C-407E-A947-70E740481C1C}">
+                <a14:useLocalDpi xmlns:a14="http://schemas.microsoft.com/office/drawing/2010/main" val="0"/>
+              </a:ext>
+            </a:extLst>
+          </a:blip>
+          <a:stretch>
+            <a:fillRect/>
+          </a:stretch>
+        </p:blipFill>
+        <p:spPr>
+          <a:xfrm>
+            <a:off x="11075970" y="2659690"/>
+            <a:ext cx="644542" cy="644542"/>
+          </a:xfrm>
+          <a:prstGeom prst="rect">
+            <a:avLst/>
+          </a:prstGeom>
+          <a:ln w="38100" cap="sq">
+            <a:solidFill>
+              <a:srgbClr val="000000"/>
+            </a:solidFill>
+            <a:prstDash val="solid"/>
+            <a:miter lim="800000"/>
+          </a:ln>
+          <a:effectLst>
+            <a:outerShdw blurRad="50800" dist="38100" dir="2700000" algn="tl" rotWithShape="0">
+              <a:srgbClr val="000000">
+                <a:alpha val="43000"/>
+              </a:srgbClr>
+            </a:outerShdw>
+          </a:effectLst>
+        </p:spPr>
+      </p:pic>
+      <p:pic>
+        <p:nvPicPr>
+          <p:cNvPr id="91" name="Picture 90">
+            <a:extLst>
+              <a:ext uri="{FF2B5EF4-FFF2-40B4-BE49-F238E27FC236}">
+                <a16:creationId xmlns:a16="http://schemas.microsoft.com/office/drawing/2014/main" id="{28D5E5B0-5C2F-4C87-9C24-0E8090E077EE}"/>
+              </a:ext>
+            </a:extLst>
+          </p:cNvPr>
+          <p:cNvPicPr>
+            <a:picLocks noChangeAspect="1"/>
+          </p:cNvPicPr>
+          <p:nvPr/>
+        </p:nvPicPr>
+        <p:blipFill>
+          <a:blip r:embed="rId2">
+            <a:extLst>
+              <a:ext uri="{28A0092B-C50C-407E-A947-70E740481C1C}">
+                <a14:useLocalDpi xmlns:a14="http://schemas.microsoft.com/office/drawing/2010/main" val="0"/>
+              </a:ext>
+            </a:extLst>
+          </a:blip>
+          <a:stretch>
+            <a:fillRect/>
+          </a:stretch>
+        </p:blipFill>
+        <p:spPr>
+          <a:xfrm>
+            <a:off x="11075970" y="1462083"/>
+            <a:ext cx="644542" cy="644542"/>
+          </a:xfrm>
+          <a:prstGeom prst="rect">
+            <a:avLst/>
+          </a:prstGeom>
+          <a:ln w="38100" cap="sq">
+            <a:solidFill>
+              <a:srgbClr val="000000"/>
+            </a:solidFill>
+            <a:prstDash val="solid"/>
+            <a:miter lim="800000"/>
+          </a:ln>
+          <a:effectLst>
+            <a:outerShdw blurRad="50800" dist="38100" dir="2700000" algn="tl" rotWithShape="0">
+              <a:srgbClr val="000000">
+                <a:alpha val="43000"/>
+              </a:srgbClr>
+            </a:outerShdw>
+          </a:effectLst>
+        </p:spPr>
+      </p:pic>
+      <p:sp>
+        <p:nvSpPr>
+          <p:cNvPr id="93" name="TextBox 92">
+            <a:extLst>
+              <a:ext uri="{FF2B5EF4-FFF2-40B4-BE49-F238E27FC236}">
+                <a16:creationId xmlns:a16="http://schemas.microsoft.com/office/drawing/2014/main" id="{8C199B7A-92CD-4DF5-9E08-79F2C3B862E9}"/>
+              </a:ext>
+            </a:extLst>
+          </p:cNvPr>
+          <p:cNvSpPr txBox="1"/>
+          <p:nvPr/>
+        </p:nvSpPr>
+        <p:spPr>
+          <a:xfrm>
+            <a:off x="10196512" y="716164"/>
+            <a:ext cx="1524000" cy="369332"/>
+          </a:xfrm>
+          <a:prstGeom prst="rect">
+            <a:avLst/>
+          </a:prstGeom>
+          <a:noFill/>
+        </p:spPr>
+        <p:txBody>
+          <a:bodyPr wrap="square" rtlCol="1">
+            <a:spAutoFit/>
+          </a:bodyPr>
+          <a:lstStyle/>
+          <a:p>
+            <a:r>
+              <a:rPr lang="en-US" dirty="0"/>
+              <a:t>Network Edge</a:t>
+            </a:r>
+            <a:endParaRPr lang="ar-SA" dirty="0"/>
+          </a:p>
+        </p:txBody>
+      </p:sp>
+      <p:pic>
+        <p:nvPicPr>
+          <p:cNvPr id="94" name="Picture 93">
+            <a:extLst>
+              <a:ext uri="{FF2B5EF4-FFF2-40B4-BE49-F238E27FC236}">
+                <a16:creationId xmlns:a16="http://schemas.microsoft.com/office/drawing/2014/main" id="{A4268794-AAB4-4621-B24D-F2671092B342}"/>
+              </a:ext>
+            </a:extLst>
+          </p:cNvPr>
+          <p:cNvPicPr>
+            <a:picLocks noChangeAspect="1"/>
+          </p:cNvPicPr>
+          <p:nvPr/>
+        </p:nvPicPr>
+        <p:blipFill>
+          <a:blip r:embed="rId3">
+            <a:extLst>
+              <a:ext uri="{28A0092B-C50C-407E-A947-70E740481C1C}">
+                <a14:useLocalDpi xmlns:a14="http://schemas.microsoft.com/office/drawing/2010/main" val="0"/>
+              </a:ext>
+            </a:extLst>
+          </a:blip>
+          <a:stretch>
+            <a:fillRect/>
+          </a:stretch>
+        </p:blipFill>
+        <p:spPr>
+          <a:xfrm>
+            <a:off x="9814976" y="3113395"/>
+            <a:ext cx="480747" cy="315605"/>
+          </a:xfrm>
+          <a:prstGeom prst="rect">
+            <a:avLst/>
+          </a:prstGeom>
+        </p:spPr>
+      </p:pic>
+      <p:cxnSp>
+        <p:nvCxnSpPr>
+          <p:cNvPr id="59" name="Straight Connector 58">
+            <a:extLst>
+              <a:ext uri="{FF2B5EF4-FFF2-40B4-BE49-F238E27FC236}">
+                <a16:creationId xmlns:a16="http://schemas.microsoft.com/office/drawing/2014/main" id="{4C2C86DB-2267-4EDD-AF6B-2225108AF572}"/>
+              </a:ext>
+            </a:extLst>
+          </p:cNvPr>
+          <p:cNvCxnSpPr>
+            <a:stCxn id="91" idx="1"/>
+            <a:endCxn id="94" idx="3"/>
+          </p:cNvCxnSpPr>
+          <p:nvPr/>
+        </p:nvCxnSpPr>
+        <p:spPr>
           <a:xfrm flipH="1">
-            <a:off x="3955412" y="2909849"/>
-            <a:ext cx="2804543" cy="1744995"/>
+            <a:off x="10295723" y="1784354"/>
+            <a:ext cx="780247" cy="1486844"/>
           </a:xfrm>
           <a:prstGeom prst="line">
             <a:avLst/>
           </a:prstGeom>
-          <a:ln w="38100">
-            <a:solidFill>
-              <a:schemeClr val="tx1"/>
-            </a:solidFill>
-          </a:ln>
+        </p:spPr>
+        <p:style>
+          <a:lnRef idx="3">
+            <a:schemeClr val="dk1"/>
+          </a:lnRef>
+          <a:fillRef idx="0">
+            <a:schemeClr val="dk1"/>
+          </a:fillRef>
+          <a:effectRef idx="2">
+            <a:schemeClr val="dk1"/>
+          </a:effectRef>
+          <a:fontRef idx="minor">
+            <a:schemeClr val="tx1"/>
+          </a:fontRef>
+        </p:style>
+      </p:cxnSp>
+      <p:cxnSp>
+        <p:nvCxnSpPr>
+          <p:cNvPr id="61" name="Straight Connector 60">
+            <a:extLst>
+              <a:ext uri="{FF2B5EF4-FFF2-40B4-BE49-F238E27FC236}">
+                <a16:creationId xmlns:a16="http://schemas.microsoft.com/office/drawing/2014/main" id="{E130B8F9-BF16-4DEF-AA75-2929713C00E1}"/>
+              </a:ext>
+            </a:extLst>
+          </p:cNvPr>
+          <p:cNvCxnSpPr>
+            <a:stCxn id="90" idx="1"/>
+            <a:endCxn id="94" idx="3"/>
+          </p:cNvCxnSpPr>
+          <p:nvPr/>
+        </p:nvCxnSpPr>
+        <p:spPr>
+          <a:xfrm flipH="1">
+            <a:off x="10295723" y="2981961"/>
+            <a:ext cx="780247" cy="289237"/>
+          </a:xfrm>
+          <a:prstGeom prst="line">
+            <a:avLst/>
+          </a:prstGeom>
+        </p:spPr>
+        <p:style>
+          <a:lnRef idx="3">
+            <a:schemeClr val="dk1"/>
+          </a:lnRef>
+          <a:fillRef idx="0">
+            <a:schemeClr val="dk1"/>
+          </a:fillRef>
+          <a:effectRef idx="2">
+            <a:schemeClr val="dk1"/>
+          </a:effectRef>
+          <a:fontRef idx="minor">
+            <a:schemeClr val="tx1"/>
+          </a:fontRef>
+        </p:style>
+      </p:cxnSp>
+      <p:cxnSp>
+        <p:nvCxnSpPr>
+          <p:cNvPr id="64" name="Straight Connector 63">
+            <a:extLst>
+              <a:ext uri="{FF2B5EF4-FFF2-40B4-BE49-F238E27FC236}">
+                <a16:creationId xmlns:a16="http://schemas.microsoft.com/office/drawing/2014/main" id="{7A8E8503-8B92-45CC-BA0C-75B476575140}"/>
+              </a:ext>
+            </a:extLst>
+          </p:cNvPr>
+          <p:cNvCxnSpPr>
+            <a:stCxn id="81" idx="1"/>
+            <a:endCxn id="94" idx="3"/>
+          </p:cNvCxnSpPr>
+          <p:nvPr/>
+        </p:nvCxnSpPr>
+        <p:spPr>
+          <a:xfrm flipH="1" flipV="1">
+            <a:off x="10295723" y="3271198"/>
+            <a:ext cx="780247" cy="897972"/>
+          </a:xfrm>
+          <a:prstGeom prst="line">
+            <a:avLst/>
+          </a:prstGeom>
+        </p:spPr>
+        <p:style>
+          <a:lnRef idx="3">
+            <a:schemeClr val="dk1"/>
+          </a:lnRef>
+          <a:fillRef idx="0">
+            <a:schemeClr val="dk1"/>
+          </a:fillRef>
+          <a:effectRef idx="2">
+            <a:schemeClr val="dk1"/>
+          </a:effectRef>
+          <a:fontRef idx="minor">
+            <a:schemeClr val="tx1"/>
+          </a:fontRef>
+        </p:style>
+      </p:cxnSp>
+      <p:cxnSp>
+        <p:nvCxnSpPr>
+          <p:cNvPr id="67" name="Straight Connector 66">
+            <a:extLst>
+              <a:ext uri="{FF2B5EF4-FFF2-40B4-BE49-F238E27FC236}">
+                <a16:creationId xmlns:a16="http://schemas.microsoft.com/office/drawing/2014/main" id="{DC9CD961-9A4B-4625-85CD-EC69052CFEA5}"/>
+              </a:ext>
+            </a:extLst>
+          </p:cNvPr>
+          <p:cNvCxnSpPr>
+            <a:stCxn id="80" idx="1"/>
+            <a:endCxn id="94" idx="3"/>
+          </p:cNvCxnSpPr>
+          <p:nvPr/>
+        </p:nvCxnSpPr>
+        <p:spPr>
+          <a:xfrm flipH="1" flipV="1">
+            <a:off x="10295723" y="3271198"/>
+            <a:ext cx="782281" cy="2172488"/>
+          </a:xfrm>
+          <a:prstGeom prst="line">
+            <a:avLst/>
+          </a:prstGeom>
+        </p:spPr>
+        <p:style>
+          <a:lnRef idx="3">
+            <a:schemeClr val="dk1"/>
+          </a:lnRef>
+          <a:fillRef idx="0">
+            <a:schemeClr val="dk1"/>
+          </a:fillRef>
+          <a:effectRef idx="2">
+            <a:schemeClr val="dk1"/>
+          </a:effectRef>
+          <a:fontRef idx="minor">
+            <a:schemeClr val="tx1"/>
+          </a:fontRef>
+        </p:style>
+      </p:cxnSp>
+      <p:cxnSp>
+        <p:nvCxnSpPr>
+          <p:cNvPr id="69" name="Straight Connector 68">
+            <a:extLst>
+              <a:ext uri="{FF2B5EF4-FFF2-40B4-BE49-F238E27FC236}">
+                <a16:creationId xmlns:a16="http://schemas.microsoft.com/office/drawing/2014/main" id="{2A93943F-4FD0-4F0E-9597-983B8DA316B5}"/>
+              </a:ext>
+            </a:extLst>
+          </p:cNvPr>
+          <p:cNvCxnSpPr>
+            <a:stCxn id="73" idx="3"/>
+            <a:endCxn id="71" idx="1"/>
+          </p:cNvCxnSpPr>
+          <p:nvPr/>
+        </p:nvCxnSpPr>
+        <p:spPr>
+          <a:xfrm>
+            <a:off x="5047336" y="2106624"/>
+            <a:ext cx="1894561" cy="0"/>
+          </a:xfrm>
+          <a:prstGeom prst="line">
+            <a:avLst/>
+          </a:prstGeom>
+        </p:spPr>
+        <p:style>
+          <a:lnRef idx="3">
+            <a:schemeClr val="dk1"/>
+          </a:lnRef>
+          <a:fillRef idx="0">
+            <a:schemeClr val="dk1"/>
+          </a:fillRef>
+          <a:effectRef idx="2">
+            <a:schemeClr val="dk1"/>
+          </a:effectRef>
+          <a:fontRef idx="minor">
+            <a:schemeClr val="tx1"/>
+          </a:fontRef>
+        </p:style>
+      </p:cxnSp>
+      <p:cxnSp>
+        <p:nvCxnSpPr>
+          <p:cNvPr id="96" name="Straight Connector 95">
+            <a:extLst>
+              <a:ext uri="{FF2B5EF4-FFF2-40B4-BE49-F238E27FC236}">
+                <a16:creationId xmlns:a16="http://schemas.microsoft.com/office/drawing/2014/main" id="{66E521F1-AFD9-4C5B-9E33-28C043BE0C84}"/>
+              </a:ext>
+            </a:extLst>
+          </p:cNvPr>
+          <p:cNvCxnSpPr>
+            <a:cxnSpLocks/>
+            <a:stCxn id="73" idx="2"/>
+            <a:endCxn id="72" idx="0"/>
+          </p:cNvCxnSpPr>
+          <p:nvPr/>
+        </p:nvCxnSpPr>
+        <p:spPr>
+          <a:xfrm>
+            <a:off x="4806963" y="2264426"/>
+            <a:ext cx="0" cy="1746942"/>
+          </a:xfrm>
+          <a:prstGeom prst="line">
+            <a:avLst/>
+          </a:prstGeom>
+        </p:spPr>
+        <p:style>
+          <a:lnRef idx="3">
+            <a:schemeClr val="dk1"/>
+          </a:lnRef>
+          <a:fillRef idx="0">
+            <a:schemeClr val="dk1"/>
+          </a:fillRef>
+          <a:effectRef idx="2">
+            <a:schemeClr val="dk1"/>
+          </a:effectRef>
+          <a:fontRef idx="minor">
+            <a:schemeClr val="tx1"/>
+          </a:fontRef>
+        </p:style>
+      </p:cxnSp>
+      <p:cxnSp>
+        <p:nvCxnSpPr>
+          <p:cNvPr id="98" name="Straight Connector 97">
+            <a:extLst>
+              <a:ext uri="{FF2B5EF4-FFF2-40B4-BE49-F238E27FC236}">
+                <a16:creationId xmlns:a16="http://schemas.microsoft.com/office/drawing/2014/main" id="{83565447-C19B-48D0-8EA7-728DBC6C483A}"/>
+              </a:ext>
+            </a:extLst>
+          </p:cNvPr>
+          <p:cNvCxnSpPr>
+            <a:stCxn id="70" idx="1"/>
+            <a:endCxn id="72" idx="3"/>
+          </p:cNvCxnSpPr>
+          <p:nvPr/>
+        </p:nvCxnSpPr>
+        <p:spPr>
+          <a:xfrm flipH="1">
+            <a:off x="5047336" y="4169171"/>
+            <a:ext cx="1894561" cy="0"/>
+          </a:xfrm>
+          <a:prstGeom prst="line">
+            <a:avLst/>
+          </a:prstGeom>
+        </p:spPr>
+        <p:style>
+          <a:lnRef idx="3">
+            <a:schemeClr val="dk1"/>
+          </a:lnRef>
+          <a:fillRef idx="0">
+            <a:schemeClr val="dk1"/>
+          </a:fillRef>
+          <a:effectRef idx="2">
+            <a:schemeClr val="dk1"/>
+          </a:effectRef>
+          <a:fontRef idx="minor">
+            <a:schemeClr val="tx1"/>
+          </a:fontRef>
+        </p:style>
+      </p:cxnSp>
+      <p:cxnSp>
+        <p:nvCxnSpPr>
+          <p:cNvPr id="100" name="Straight Connector 99">
+            <a:extLst>
+              <a:ext uri="{FF2B5EF4-FFF2-40B4-BE49-F238E27FC236}">
+                <a16:creationId xmlns:a16="http://schemas.microsoft.com/office/drawing/2014/main" id="{2D12A997-CC27-4426-8C5A-3ACF48F56D0F}"/>
+              </a:ext>
+            </a:extLst>
+          </p:cNvPr>
+          <p:cNvCxnSpPr/>
+          <p:nvPr/>
+        </p:nvCxnSpPr>
+        <p:spPr>
+          <a:xfrm flipV="1">
+            <a:off x="2828011" y="3467100"/>
+            <a:ext cx="914" cy="9106"/>
+          </a:xfrm>
+          <a:prstGeom prst="line">
+            <a:avLst/>
+          </a:prstGeom>
+        </p:spPr>
+        <p:style>
+          <a:lnRef idx="1">
+            <a:schemeClr val="accent1"/>
+          </a:lnRef>
+          <a:fillRef idx="0">
+            <a:schemeClr val="accent1"/>
+          </a:fillRef>
+          <a:effectRef idx="0">
+            <a:schemeClr val="accent1"/>
+          </a:effectRef>
+          <a:fontRef idx="minor">
+            <a:schemeClr val="tx1"/>
+          </a:fontRef>
+        </p:style>
+      </p:cxnSp>
+      <p:cxnSp>
+        <p:nvCxnSpPr>
+          <p:cNvPr id="102" name="Straight Connector 101">
+            <a:extLst>
+              <a:ext uri="{FF2B5EF4-FFF2-40B4-BE49-F238E27FC236}">
+                <a16:creationId xmlns:a16="http://schemas.microsoft.com/office/drawing/2014/main" id="{44AC6450-2B34-48FF-902A-87C035184776}"/>
+              </a:ext>
+            </a:extLst>
+          </p:cNvPr>
+          <p:cNvCxnSpPr>
+            <a:stCxn id="33" idx="3"/>
+            <a:endCxn id="73" idx="1"/>
+          </p:cNvCxnSpPr>
+          <p:nvPr/>
+        </p:nvCxnSpPr>
+        <p:spPr>
+          <a:xfrm flipV="1">
+            <a:off x="2779663" y="2106624"/>
+            <a:ext cx="1786926" cy="964657"/>
+          </a:xfrm>
+          <a:prstGeom prst="line">
+            <a:avLst/>
+          </a:prstGeom>
+        </p:spPr>
+        <p:style>
+          <a:lnRef idx="3">
+            <a:schemeClr val="dk1"/>
+          </a:lnRef>
+          <a:fillRef idx="0">
+            <a:schemeClr val="dk1"/>
+          </a:fillRef>
+          <a:effectRef idx="2">
+            <a:schemeClr val="dk1"/>
+          </a:effectRef>
+          <a:fontRef idx="minor">
+            <a:schemeClr val="tx1"/>
+          </a:fontRef>
+        </p:style>
+      </p:cxnSp>
+      <p:cxnSp>
+        <p:nvCxnSpPr>
+          <p:cNvPr id="104" name="Straight Connector 103">
+            <a:extLst>
+              <a:ext uri="{FF2B5EF4-FFF2-40B4-BE49-F238E27FC236}">
+                <a16:creationId xmlns:a16="http://schemas.microsoft.com/office/drawing/2014/main" id="{EFEDE743-620F-45E7-85CA-33C7B09C32CD}"/>
+              </a:ext>
+            </a:extLst>
+          </p:cNvPr>
+          <p:cNvCxnSpPr>
+            <a:cxnSpLocks/>
+            <a:stCxn id="33" idx="3"/>
+            <a:endCxn id="72" idx="1"/>
+          </p:cNvCxnSpPr>
+          <p:nvPr/>
+        </p:nvCxnSpPr>
+        <p:spPr>
+          <a:xfrm>
+            <a:off x="2779663" y="3071281"/>
+            <a:ext cx="1786926" cy="1097890"/>
+          </a:xfrm>
+          <a:prstGeom prst="line">
+            <a:avLst/>
+          </a:prstGeom>
+        </p:spPr>
+        <p:style>
+          <a:lnRef idx="3">
+            <a:schemeClr val="dk1"/>
+          </a:lnRef>
+          <a:fillRef idx="0">
+            <a:schemeClr val="dk1"/>
+          </a:fillRef>
+          <a:effectRef idx="2">
+            <a:schemeClr val="dk1"/>
+          </a:effectRef>
+          <a:fontRef idx="minor">
+            <a:schemeClr val="tx1"/>
+          </a:fontRef>
+        </p:style>
+      </p:cxnSp>
+      <p:cxnSp>
+        <p:nvCxnSpPr>
+          <p:cNvPr id="106" name="Straight Connector 105">
+            <a:extLst>
+              <a:ext uri="{FF2B5EF4-FFF2-40B4-BE49-F238E27FC236}">
+                <a16:creationId xmlns:a16="http://schemas.microsoft.com/office/drawing/2014/main" id="{4EAB7C50-5B2F-4FC0-9416-4E274F14C49B}"/>
+              </a:ext>
+            </a:extLst>
+          </p:cNvPr>
+          <p:cNvCxnSpPr>
+            <a:stCxn id="71" idx="3"/>
+            <a:endCxn id="94" idx="1"/>
+          </p:cNvCxnSpPr>
+          <p:nvPr/>
+        </p:nvCxnSpPr>
+        <p:spPr>
+          <a:xfrm>
+            <a:off x="7422644" y="2106624"/>
+            <a:ext cx="2392332" cy="1164574"/>
+          </a:xfrm>
+          <a:prstGeom prst="line">
+            <a:avLst/>
+          </a:prstGeom>
+        </p:spPr>
+        <p:style>
+          <a:lnRef idx="3">
+            <a:schemeClr val="dk1"/>
+          </a:lnRef>
+          <a:fillRef idx="0">
+            <a:schemeClr val="dk1"/>
+          </a:fillRef>
+          <a:effectRef idx="2">
+            <a:schemeClr val="dk1"/>
+          </a:effectRef>
+          <a:fontRef idx="minor">
+            <a:schemeClr val="tx1"/>
+          </a:fontRef>
+        </p:style>
+      </p:cxnSp>
+      <p:cxnSp>
+        <p:nvCxnSpPr>
+          <p:cNvPr id="108" name="Straight Connector 107">
+            <a:extLst>
+              <a:ext uri="{FF2B5EF4-FFF2-40B4-BE49-F238E27FC236}">
+                <a16:creationId xmlns:a16="http://schemas.microsoft.com/office/drawing/2014/main" id="{19EF2D03-C6B4-4A71-84C0-500434769BB8}"/>
+              </a:ext>
+            </a:extLst>
+          </p:cNvPr>
+          <p:cNvCxnSpPr>
+            <a:stCxn id="70" idx="3"/>
+            <a:endCxn id="94" idx="1"/>
+          </p:cNvCxnSpPr>
+          <p:nvPr/>
+        </p:nvCxnSpPr>
+        <p:spPr>
+          <a:xfrm flipV="1">
+            <a:off x="7422644" y="3271198"/>
+            <a:ext cx="2392332" cy="897973"/>
+          </a:xfrm>
+          <a:prstGeom prst="line">
+            <a:avLst/>
+          </a:prstGeom>
+        </p:spPr>
+        <p:style>
+          <a:lnRef idx="3">
+            <a:schemeClr val="dk1"/>
+          </a:lnRef>
+          <a:fillRef idx="0">
+            <a:schemeClr val="dk1"/>
+          </a:fillRef>
+          <a:effectRef idx="2">
+            <a:schemeClr val="dk1"/>
+          </a:effectRef>
+          <a:fontRef idx="minor">
+            <a:schemeClr val="tx1"/>
+          </a:fontRef>
+        </p:style>
+      </p:cxnSp>
+      <p:cxnSp>
+        <p:nvCxnSpPr>
+          <p:cNvPr id="132" name="Straight Connector 131">
+            <a:extLst>
+              <a:ext uri="{FF2B5EF4-FFF2-40B4-BE49-F238E27FC236}">
+                <a16:creationId xmlns:a16="http://schemas.microsoft.com/office/drawing/2014/main" id="{44117146-5D70-40CE-9153-FD9D58DFC41C}"/>
+              </a:ext>
+            </a:extLst>
+          </p:cNvPr>
+          <p:cNvCxnSpPr>
+            <a:cxnSpLocks/>
+            <a:stCxn id="73" idx="2"/>
+            <a:endCxn id="70" idx="1"/>
+          </p:cNvCxnSpPr>
+          <p:nvPr/>
+        </p:nvCxnSpPr>
+        <p:spPr>
+          <a:xfrm>
+            <a:off x="4806963" y="2264426"/>
+            <a:ext cx="2134934" cy="1904745"/>
+          </a:xfrm>
+          <a:prstGeom prst="line">
+            <a:avLst/>
+          </a:prstGeom>
         </p:spPr>
         <p:style>
           <a:lnRef idx="3">
@@ -7417,10 +7798,10 @@
       </p:cxnSp>
       <p:sp>
         <p:nvSpPr>
-          <p:cNvPr id="74" name="TextBox 73">
-            <a:extLst>
-              <a:ext uri="{FF2B5EF4-FFF2-40B4-BE49-F238E27FC236}">
-                <a16:creationId xmlns:a16="http://schemas.microsoft.com/office/drawing/2014/main" id="{04303B1F-D77E-43F2-804B-A7C55CEED48A}"/>
+          <p:cNvPr id="141" name="TextBox 140">
+            <a:extLst>
+              <a:ext uri="{FF2B5EF4-FFF2-40B4-BE49-F238E27FC236}">
+                <a16:creationId xmlns:a16="http://schemas.microsoft.com/office/drawing/2014/main" id="{DD899F05-DC4B-4033-BBB7-D2AE8974E58D}"/>
               </a:ext>
             </a:extLst>
           </p:cNvPr>
@@ -7429,8 +7810,8 @@
         </p:nvSpPr>
         <p:spPr>
           <a:xfrm>
-            <a:off x="2113885" y="2887026"/>
-            <a:ext cx="286556" cy="369332"/>
+            <a:off x="5208360" y="1013850"/>
+            <a:ext cx="1524000" cy="369332"/>
           </a:xfrm>
           <a:prstGeom prst="rect">
             <a:avLst/>
@@ -7445,367 +7826,7 @@
           <a:p>
             <a:r>
               <a:rPr lang="en-US" dirty="0"/>
-              <a:t>4</a:t>
-            </a:r>
-            <a:endParaRPr lang="ar-SA" dirty="0"/>
-          </a:p>
-        </p:txBody>
-      </p:sp>
-      <p:sp>
-        <p:nvSpPr>
-          <p:cNvPr id="76" name="TextBox 75">
-            <a:extLst>
-              <a:ext uri="{FF2B5EF4-FFF2-40B4-BE49-F238E27FC236}">
-                <a16:creationId xmlns:a16="http://schemas.microsoft.com/office/drawing/2014/main" id="{BDC48E5D-6FD4-4C7E-9A6B-56CAC8D795D0}"/>
-              </a:ext>
-            </a:extLst>
-          </p:cNvPr>
-          <p:cNvSpPr txBox="1"/>
-          <p:nvPr/>
-        </p:nvSpPr>
-        <p:spPr>
-          <a:xfrm>
-            <a:off x="3343706" y="3521593"/>
-            <a:ext cx="286556" cy="369332"/>
-          </a:xfrm>
-          <a:prstGeom prst="rect">
-            <a:avLst/>
-          </a:prstGeom>
-          <a:noFill/>
-        </p:spPr>
-        <p:txBody>
-          <a:bodyPr wrap="square" rtlCol="1">
-            <a:spAutoFit/>
-          </a:bodyPr>
-          <a:lstStyle/>
-          <a:p>
-            <a:r>
-              <a:rPr lang="en-US" dirty="0"/>
-              <a:t>3</a:t>
-            </a:r>
-            <a:endParaRPr lang="ar-SA" dirty="0"/>
-          </a:p>
-        </p:txBody>
-      </p:sp>
-      <p:sp>
-        <p:nvSpPr>
-          <p:cNvPr id="77" name="TextBox 76">
-            <a:extLst>
-              <a:ext uri="{FF2B5EF4-FFF2-40B4-BE49-F238E27FC236}">
-                <a16:creationId xmlns:a16="http://schemas.microsoft.com/office/drawing/2014/main" id="{E9CCA9DB-DEE8-4BDF-A0BB-270F85999F71}"/>
-              </a:ext>
-            </a:extLst>
-          </p:cNvPr>
-          <p:cNvSpPr txBox="1"/>
-          <p:nvPr/>
-        </p:nvSpPr>
-        <p:spPr>
-          <a:xfrm>
-            <a:off x="5260994" y="2451570"/>
-            <a:ext cx="286556" cy="369332"/>
-          </a:xfrm>
-          <a:prstGeom prst="rect">
-            <a:avLst/>
-          </a:prstGeom>
-          <a:noFill/>
-        </p:spPr>
-        <p:txBody>
-          <a:bodyPr wrap="square" rtlCol="1">
-            <a:spAutoFit/>
-          </a:bodyPr>
-          <a:lstStyle/>
-          <a:p>
-            <a:r>
-              <a:rPr lang="en-US" dirty="0"/>
-              <a:t>2</a:t>
-            </a:r>
-            <a:endParaRPr lang="ar-SA" dirty="0"/>
-          </a:p>
-        </p:txBody>
-      </p:sp>
-      <p:sp>
-        <p:nvSpPr>
-          <p:cNvPr id="78" name="TextBox 77">
-            <a:extLst>
-              <a:ext uri="{FF2B5EF4-FFF2-40B4-BE49-F238E27FC236}">
-                <a16:creationId xmlns:a16="http://schemas.microsoft.com/office/drawing/2014/main" id="{20B4640E-B844-4269-95C0-31486E091124}"/>
-              </a:ext>
-            </a:extLst>
-          </p:cNvPr>
-          <p:cNvSpPr txBox="1"/>
-          <p:nvPr/>
-        </p:nvSpPr>
-        <p:spPr>
-          <a:xfrm>
-            <a:off x="5978201" y="3847712"/>
-            <a:ext cx="286556" cy="369332"/>
-          </a:xfrm>
-          <a:prstGeom prst="rect">
-            <a:avLst/>
-          </a:prstGeom>
-          <a:noFill/>
-        </p:spPr>
-        <p:txBody>
-          <a:bodyPr wrap="square" rtlCol="1">
-            <a:spAutoFit/>
-          </a:bodyPr>
-          <a:lstStyle/>
-          <a:p>
-            <a:r>
-              <a:rPr lang="en-US" dirty="0"/>
-              <a:t>1</a:t>
-            </a:r>
-            <a:endParaRPr lang="ar-SA" dirty="0"/>
-          </a:p>
-        </p:txBody>
-      </p:sp>
-      <p:sp>
-        <p:nvSpPr>
-          <p:cNvPr id="79" name="TextBox 78">
-            <a:extLst>
-              <a:ext uri="{FF2B5EF4-FFF2-40B4-BE49-F238E27FC236}">
-                <a16:creationId xmlns:a16="http://schemas.microsoft.com/office/drawing/2014/main" id="{FD98522D-91E0-42D9-9EF6-9BC67E095CA3}"/>
-              </a:ext>
-            </a:extLst>
-          </p:cNvPr>
-          <p:cNvSpPr txBox="1"/>
-          <p:nvPr/>
-        </p:nvSpPr>
-        <p:spPr>
-          <a:xfrm>
-            <a:off x="5764430" y="3117966"/>
-            <a:ext cx="286556" cy="369332"/>
-          </a:xfrm>
-          <a:prstGeom prst="rect">
-            <a:avLst/>
-          </a:prstGeom>
-          <a:noFill/>
-        </p:spPr>
-        <p:txBody>
-          <a:bodyPr wrap="square" rtlCol="1">
-            <a:spAutoFit/>
-          </a:bodyPr>
-          <a:lstStyle/>
-          <a:p>
-            <a:r>
-              <a:rPr lang="en-US" dirty="0"/>
-              <a:t>5</a:t>
-            </a:r>
-            <a:endParaRPr lang="ar-SA" dirty="0"/>
-          </a:p>
-        </p:txBody>
-      </p:sp>
-      <p:sp>
-        <p:nvSpPr>
-          <p:cNvPr id="83" name="TextBox 82">
-            <a:extLst>
-              <a:ext uri="{FF2B5EF4-FFF2-40B4-BE49-F238E27FC236}">
-                <a16:creationId xmlns:a16="http://schemas.microsoft.com/office/drawing/2014/main" id="{29D6D655-181F-4534-8845-023281FD7373}"/>
-              </a:ext>
-            </a:extLst>
-          </p:cNvPr>
-          <p:cNvSpPr txBox="1"/>
-          <p:nvPr/>
-        </p:nvSpPr>
-        <p:spPr>
-          <a:xfrm>
-            <a:off x="5316845" y="4743790"/>
-            <a:ext cx="185220" cy="369332"/>
-          </a:xfrm>
-          <a:prstGeom prst="rect">
-            <a:avLst/>
-          </a:prstGeom>
-          <a:noFill/>
-        </p:spPr>
-        <p:txBody>
-          <a:bodyPr wrap="square" rtlCol="1">
-            <a:spAutoFit/>
-          </a:bodyPr>
-          <a:lstStyle/>
-          <a:p>
-            <a:r>
-              <a:rPr lang="en-US" dirty="0"/>
-              <a:t>6</a:t>
-            </a:r>
-            <a:endParaRPr lang="ar-SA" dirty="0"/>
-          </a:p>
-        </p:txBody>
-      </p:sp>
-      <p:sp>
-        <p:nvSpPr>
-          <p:cNvPr id="84" name="TextBox 83">
-            <a:extLst>
-              <a:ext uri="{FF2B5EF4-FFF2-40B4-BE49-F238E27FC236}">
-                <a16:creationId xmlns:a16="http://schemas.microsoft.com/office/drawing/2014/main" id="{B0BB6F58-8BFB-479F-BA3A-51EF389B50AE}"/>
-              </a:ext>
-            </a:extLst>
-          </p:cNvPr>
-          <p:cNvSpPr txBox="1"/>
-          <p:nvPr/>
-        </p:nvSpPr>
-        <p:spPr>
-          <a:xfrm>
-            <a:off x="7062551" y="3537518"/>
-            <a:ext cx="286556" cy="369332"/>
-          </a:xfrm>
-          <a:prstGeom prst="rect">
-            <a:avLst/>
-          </a:prstGeom>
-          <a:noFill/>
-        </p:spPr>
-        <p:txBody>
-          <a:bodyPr wrap="square" rtlCol="1">
-            <a:spAutoFit/>
-          </a:bodyPr>
-          <a:lstStyle/>
-          <a:p>
-            <a:r>
-              <a:rPr lang="en-US" dirty="0"/>
-              <a:t>3</a:t>
-            </a:r>
-            <a:endParaRPr lang="ar-SA" dirty="0"/>
-          </a:p>
-        </p:txBody>
-      </p:sp>
-      <p:sp>
-        <p:nvSpPr>
-          <p:cNvPr id="86" name="TextBox 85">
-            <a:extLst>
-              <a:ext uri="{FF2B5EF4-FFF2-40B4-BE49-F238E27FC236}">
-                <a16:creationId xmlns:a16="http://schemas.microsoft.com/office/drawing/2014/main" id="{DB66BA0D-81E4-4EA5-9608-695ABBFBE025}"/>
-              </a:ext>
-            </a:extLst>
-          </p:cNvPr>
-          <p:cNvSpPr txBox="1"/>
-          <p:nvPr/>
-        </p:nvSpPr>
-        <p:spPr>
-          <a:xfrm>
-            <a:off x="8054814" y="2844775"/>
-            <a:ext cx="286556" cy="369332"/>
-          </a:xfrm>
-          <a:prstGeom prst="rect">
-            <a:avLst/>
-          </a:prstGeom>
-          <a:noFill/>
-        </p:spPr>
-        <p:txBody>
-          <a:bodyPr wrap="square" rtlCol="1">
-            <a:spAutoFit/>
-          </a:bodyPr>
-          <a:lstStyle/>
-          <a:p>
-            <a:r>
-              <a:rPr lang="en-US" dirty="0"/>
-              <a:t>5</a:t>
-            </a:r>
-            <a:endParaRPr lang="ar-SA" dirty="0"/>
-          </a:p>
-        </p:txBody>
-      </p:sp>
-      <p:sp>
-        <p:nvSpPr>
-          <p:cNvPr id="88" name="TextBox 87">
-            <a:extLst>
-              <a:ext uri="{FF2B5EF4-FFF2-40B4-BE49-F238E27FC236}">
-                <a16:creationId xmlns:a16="http://schemas.microsoft.com/office/drawing/2014/main" id="{B35CAB17-CC18-4A87-8167-904CCB91F814}"/>
-              </a:ext>
-            </a:extLst>
-          </p:cNvPr>
-          <p:cNvSpPr txBox="1"/>
-          <p:nvPr/>
-        </p:nvSpPr>
-        <p:spPr>
-          <a:xfrm>
-            <a:off x="10069083" y="3291539"/>
-            <a:ext cx="286556" cy="369332"/>
-          </a:xfrm>
-          <a:prstGeom prst="rect">
-            <a:avLst/>
-          </a:prstGeom>
-          <a:noFill/>
-        </p:spPr>
-        <p:txBody>
-          <a:bodyPr wrap="square" rtlCol="1">
-            <a:spAutoFit/>
-          </a:bodyPr>
-          <a:lstStyle/>
-          <a:p>
-            <a:r>
-              <a:rPr lang="en-US" dirty="0"/>
-              <a:t>2</a:t>
-            </a:r>
-            <a:endParaRPr lang="ar-SA" dirty="0"/>
-          </a:p>
-        </p:txBody>
-      </p:sp>
-      <p:sp>
-        <p:nvSpPr>
-          <p:cNvPr id="89" name="TextBox 88">
-            <a:extLst>
-              <a:ext uri="{FF2B5EF4-FFF2-40B4-BE49-F238E27FC236}">
-                <a16:creationId xmlns:a16="http://schemas.microsoft.com/office/drawing/2014/main" id="{C7A74D97-F09B-48D2-A665-751DB2351A1F}"/>
-              </a:ext>
-            </a:extLst>
-          </p:cNvPr>
-          <p:cNvSpPr txBox="1"/>
-          <p:nvPr/>
-        </p:nvSpPr>
-        <p:spPr>
-          <a:xfrm>
-            <a:off x="8125485" y="4217044"/>
-            <a:ext cx="286556" cy="369332"/>
-          </a:xfrm>
-          <a:prstGeom prst="rect">
-            <a:avLst/>
-          </a:prstGeom>
-          <a:noFill/>
-        </p:spPr>
-        <p:txBody>
-          <a:bodyPr wrap="square" rtlCol="1">
-            <a:spAutoFit/>
-          </a:bodyPr>
-          <a:lstStyle/>
-          <a:p>
-            <a:r>
-              <a:rPr lang="en-US" dirty="0"/>
-              <a:t>1</a:t>
-            </a:r>
-            <a:endParaRPr lang="ar-SA" dirty="0"/>
-          </a:p>
-        </p:txBody>
-      </p:sp>
-      <p:sp>
-        <p:nvSpPr>
-          <p:cNvPr id="131" name="TextBox 130">
-            <a:extLst>
-              <a:ext uri="{FF2B5EF4-FFF2-40B4-BE49-F238E27FC236}">
-                <a16:creationId xmlns:a16="http://schemas.microsoft.com/office/drawing/2014/main" id="{2BD8CB01-54EF-486D-A202-8D5B3BB12529}"/>
-              </a:ext>
-            </a:extLst>
-          </p:cNvPr>
-          <p:cNvSpPr txBox="1"/>
-          <p:nvPr/>
-        </p:nvSpPr>
-        <p:spPr>
-          <a:xfrm>
-            <a:off x="2065773" y="4285512"/>
-            <a:ext cx="286556" cy="369332"/>
-          </a:xfrm>
-          <a:prstGeom prst="rect">
-            <a:avLst/>
-          </a:prstGeom>
-          <a:noFill/>
-        </p:spPr>
-        <p:txBody>
-          <a:bodyPr wrap="square" rtlCol="1">
-            <a:spAutoFit/>
-          </a:bodyPr>
-          <a:lstStyle/>
-          <a:p>
-            <a:r>
-              <a:rPr lang="en-US" dirty="0"/>
-              <a:t>2</a:t>
+              <a:t>Network Core</a:t>
             </a:r>
             <a:endParaRPr lang="ar-SA" dirty="0"/>
           </a:p>
